--- a/docs/deployment_guide/images/keycloak-architecture-diagram.pptx
+++ b/docs/deployment_guide/images/keycloak-architecture-diagram.pptx
@@ -6402,1531 +6402,1289 @@
           </p:txBody>
         </p:sp>
       </p:grpSp>
-      <p:grpSp>
-        <p:nvGrpSpPr>
-          <p:cNvPr id="61" name="Group 60">
-            <a:extLst>
-              <a:ext uri="{FF2B5EF4-FFF2-40B4-BE49-F238E27FC236}">
-                <a16:creationId xmlns:a16="http://schemas.microsoft.com/office/drawing/2014/main" id="{29D49711-6BF2-4462-B3CC-7B89C741CF5B}"/>
-              </a:ext>
-            </a:extLst>
-          </p:cNvPr>
-          <p:cNvGrpSpPr/>
+      <p:sp>
+        <p:nvSpPr>
+          <p:cNvPr id="62" name="Rectangle 61">
+            <a:extLst>
+              <a:ext uri="{FF2B5EF4-FFF2-40B4-BE49-F238E27FC236}">
+                <a16:creationId xmlns:a16="http://schemas.microsoft.com/office/drawing/2014/main" id="{8E2C41D4-EC41-4F1A-A1CF-F185BA3B8189}"/>
+              </a:ext>
+            </a:extLst>
+          </p:cNvPr>
+          <p:cNvSpPr/>
           <p:nvPr/>
-        </p:nvGrpSpPr>
-        <p:grpSpPr>
+        </p:nvSpPr>
+        <p:spPr>
           <a:xfrm>
-            <a:off x="5302103" y="672829"/>
-            <a:ext cx="3579009" cy="5508895"/>
-            <a:chOff x="466126" y="672829"/>
-            <a:chExt cx="3579009" cy="5508895"/>
+            <a:off x="5377471" y="672829"/>
+            <a:ext cx="3366533" cy="5508895"/>
           </a:xfrm>
-        </p:grpSpPr>
-        <p:sp>
-          <p:nvSpPr>
-            <p:cNvPr id="62" name="Rectangle 61">
-              <a:extLst>
-                <a:ext uri="{FF2B5EF4-FFF2-40B4-BE49-F238E27FC236}">
-                  <a16:creationId xmlns:a16="http://schemas.microsoft.com/office/drawing/2014/main" id="{8E2C41D4-EC41-4F1A-A1CF-F185BA3B8189}"/>
-                </a:ext>
-              </a:extLst>
-            </p:cNvPr>
-            <p:cNvSpPr/>
-            <p:nvPr/>
-          </p:nvSpPr>
-          <p:spPr>
-            <a:xfrm>
-              <a:off x="541494" y="672829"/>
-              <a:ext cx="3366533" cy="5508895"/>
-            </a:xfrm>
-            <a:prstGeom prst="rect">
-              <a:avLst/>
-            </a:prstGeom>
+          <a:prstGeom prst="rect">
+            <a:avLst/>
+          </a:prstGeom>
+          <a:noFill/>
+          <a:ln w="12700">
+            <a:solidFill>
+              <a:srgbClr val="5B9CD5"/>
+            </a:solidFill>
+            <a:prstDash val="dash"/>
+          </a:ln>
+        </p:spPr>
+        <p:style>
+          <a:lnRef idx="2">
+            <a:schemeClr val="accent1">
+              <a:shade val="50000"/>
+            </a:schemeClr>
+          </a:lnRef>
+          <a:fillRef idx="1">
+            <a:schemeClr val="accent1"/>
+          </a:fillRef>
+          <a:effectRef idx="0">
+            <a:schemeClr val="accent1"/>
+          </a:effectRef>
+          <a:fontRef idx="minor">
+            <a:schemeClr val="lt1"/>
+          </a:fontRef>
+        </p:style>
+        <p:txBody>
+          <a:bodyPr tIns="91440"/>
+          <a:lstStyle/>
+          <a:p>
+            <a:pPr algn="ctr" eaLnBrk="1" fontAlgn="auto" hangingPunct="1">
+              <a:spcBef>
+                <a:spcPts val="0"/>
+              </a:spcBef>
+              <a:spcAft>
+                <a:spcPts val="0"/>
+              </a:spcAft>
+              <a:defRPr/>
+            </a:pPr>
+            <a:r>
+              <a:rPr lang="en-US" sz="1200" dirty="0">
+                <a:solidFill>
+                  <a:srgbClr val="5B9CD5"/>
+                </a:solidFill>
+                <a:latin typeface="Arial" panose="020B0604020202020204" pitchFamily="34" charset="0"/>
+                <a:cs typeface="Arial" panose="020B0604020202020204" pitchFamily="34" charset="0"/>
+              </a:rPr>
+              <a:t>Availability Zone</a:t>
+            </a:r>
+          </a:p>
+        </p:txBody>
+      </p:sp>
+      <p:sp>
+        <p:nvSpPr>
+          <p:cNvPr id="63" name="Rectangle 62">
+            <a:extLst>
+              <a:ext uri="{FF2B5EF4-FFF2-40B4-BE49-F238E27FC236}">
+                <a16:creationId xmlns:a16="http://schemas.microsoft.com/office/drawing/2014/main" id="{FE3D6BF4-8114-4E2B-A70B-1757F123C157}"/>
+              </a:ext>
+            </a:extLst>
+          </p:cNvPr>
+          <p:cNvSpPr/>
+          <p:nvPr/>
+        </p:nvSpPr>
+        <p:spPr>
+          <a:xfrm>
+            <a:off x="5630403" y="1388874"/>
+            <a:ext cx="2940279" cy="1061418"/>
+          </a:xfrm>
+          <a:prstGeom prst="rect">
+            <a:avLst/>
+          </a:prstGeom>
+          <a:solidFill>
+            <a:srgbClr val="1D8900">
+              <a:alpha val="9804"/>
+            </a:srgbClr>
+          </a:solidFill>
+          <a:ln w="12700">
             <a:noFill/>
-            <a:ln w="12700">
-              <a:solidFill>
-                <a:srgbClr val="5B9CD5"/>
-              </a:solidFill>
-              <a:prstDash val="dash"/>
-            </a:ln>
-          </p:spPr>
-          <p:style>
-            <a:lnRef idx="2">
-              <a:schemeClr val="accent1">
-                <a:shade val="50000"/>
-              </a:schemeClr>
-            </a:lnRef>
-            <a:fillRef idx="1">
-              <a:schemeClr val="accent1"/>
-            </a:fillRef>
-            <a:effectRef idx="0">
-              <a:schemeClr val="accent1"/>
-            </a:effectRef>
-            <a:fontRef idx="minor">
-              <a:schemeClr val="lt1"/>
-            </a:fontRef>
-          </p:style>
-          <p:txBody>
-            <a:bodyPr tIns="91440"/>
-            <a:lstStyle/>
-            <a:p>
-              <a:pPr algn="ctr" eaLnBrk="1" fontAlgn="auto" hangingPunct="1">
-                <a:spcBef>
-                  <a:spcPts val="0"/>
-                </a:spcBef>
-                <a:spcAft>
-                  <a:spcPts val="0"/>
-                </a:spcAft>
-                <a:defRPr/>
-              </a:pPr>
-              <a:r>
-                <a:rPr lang="en-US" sz="1200" dirty="0">
-                  <a:solidFill>
-                    <a:srgbClr val="5B9CD5"/>
-                  </a:solidFill>
-                  <a:latin typeface="Arial" panose="020B0604020202020204" pitchFamily="34" charset="0"/>
-                  <a:cs typeface="Arial" panose="020B0604020202020204" pitchFamily="34" charset="0"/>
-                </a:rPr>
-                <a:t>Availability Zone</a:t>
-              </a:r>
-            </a:p>
-          </p:txBody>
-        </p:sp>
-        <p:sp>
-          <p:nvSpPr>
-            <p:cNvPr id="63" name="Rectangle 62">
-              <a:extLst>
-                <a:ext uri="{FF2B5EF4-FFF2-40B4-BE49-F238E27FC236}">
-                  <a16:creationId xmlns:a16="http://schemas.microsoft.com/office/drawing/2014/main" id="{FE3D6BF4-8114-4E2B-A70B-1757F123C157}"/>
-                </a:ext>
-              </a:extLst>
-            </p:cNvPr>
-            <p:cNvSpPr/>
-            <p:nvPr/>
-          </p:nvSpPr>
-          <p:spPr>
-            <a:xfrm>
-              <a:off x="794426" y="1388874"/>
-              <a:ext cx="2940279" cy="1061418"/>
-            </a:xfrm>
-            <a:prstGeom prst="rect">
-              <a:avLst/>
-            </a:prstGeom>
-            <a:solidFill>
-              <a:srgbClr val="1D8900">
-                <a:alpha val="9804"/>
-              </a:srgbClr>
-            </a:solidFill>
-            <a:ln w="12700">
-              <a:noFill/>
-              <a:prstDash val="dash"/>
-            </a:ln>
-          </p:spPr>
-          <p:style>
-            <a:lnRef idx="2">
-              <a:schemeClr val="accent1">
-                <a:shade val="50000"/>
-              </a:schemeClr>
-            </a:lnRef>
-            <a:fillRef idx="1">
-              <a:schemeClr val="accent1"/>
-            </a:fillRef>
-            <a:effectRef idx="0">
-              <a:schemeClr val="accent1"/>
-            </a:effectRef>
-            <a:fontRef idx="minor">
-              <a:schemeClr val="lt1"/>
-            </a:fontRef>
-          </p:style>
-          <p:txBody>
-            <a:bodyPr lIns="502920"/>
-            <a:lstStyle/>
-            <a:p>
-              <a:pPr eaLnBrk="1" fontAlgn="auto" hangingPunct="1">
-                <a:spcBef>
-                  <a:spcPts val="0"/>
-                </a:spcBef>
-                <a:spcAft>
-                  <a:spcPts val="0"/>
-                </a:spcAft>
-                <a:defRPr/>
-              </a:pPr>
-              <a:r>
-                <a:rPr lang="en-US" sz="1200" dirty="0">
-                  <a:solidFill>
-                    <a:srgbClr val="1E8900"/>
-                  </a:solidFill>
-                  <a:latin typeface="Arial" panose="020B0604020202020204" pitchFamily="34" charset="0"/>
-                  <a:cs typeface="Arial" panose="020B0604020202020204" pitchFamily="34" charset="0"/>
-                </a:rPr>
-                <a:t>Public subnet</a:t>
-              </a:r>
-            </a:p>
-          </p:txBody>
-        </p:sp>
-        <p:pic>
-          <p:nvPicPr>
-            <p:cNvPr id="64" name="Graphic 63">
-              <a:extLst>
-                <a:ext uri="{FF2B5EF4-FFF2-40B4-BE49-F238E27FC236}">
-                  <a16:creationId xmlns:a16="http://schemas.microsoft.com/office/drawing/2014/main" id="{257A6430-4173-4F33-BF9D-35130DD05806}"/>
-                </a:ext>
-              </a:extLst>
-            </p:cNvPr>
-            <p:cNvPicPr>
-              <a:picLocks noChangeAspect="1"/>
-            </p:cNvPicPr>
-            <p:nvPr/>
-          </p:nvPicPr>
-          <p:blipFill>
-            <a:blip r:embed="rId12">
-              <a:extLst>
-                <a:ext uri="{96DAC541-7B7A-43D3-8B79-37D633B846F1}">
-                  <asvg:svgBlip xmlns:asvg="http://schemas.microsoft.com/office/drawing/2016/SVG/main" r:embed="rId13"/>
-                </a:ext>
-              </a:extLst>
-            </a:blip>
-            <a:stretch>
-              <a:fillRect/>
-            </a:stretch>
-          </p:blipFill>
-          <p:spPr>
-            <a:xfrm>
-              <a:off x="794426" y="1382949"/>
-              <a:ext cx="381000" cy="381000"/>
-            </a:xfrm>
-            <a:prstGeom prst="rect">
-              <a:avLst/>
-            </a:prstGeom>
-          </p:spPr>
-        </p:pic>
-        <p:pic>
-          <p:nvPicPr>
-            <p:cNvPr id="65" name="Graphic 35">
-              <a:extLst>
-                <a:ext uri="{FF2B5EF4-FFF2-40B4-BE49-F238E27FC236}">
-                  <a16:creationId xmlns:a16="http://schemas.microsoft.com/office/drawing/2014/main" id="{EB208D08-3D26-40A8-85A9-C8AED14EDF48}"/>
-                </a:ext>
-              </a:extLst>
-            </p:cNvPr>
-            <p:cNvPicPr>
-              <a:picLocks noChangeAspect="1" noChangeArrowheads="1"/>
-            </p:cNvPicPr>
-            <p:nvPr/>
-          </p:nvPicPr>
-          <p:blipFill>
-            <a:blip r:embed="rId14">
-              <a:extLst>
-                <a:ext uri="{28A0092B-C50C-407E-A947-70E740481C1C}">
-                  <a14:useLocalDpi xmlns:a14="http://schemas.microsoft.com/office/drawing/2010/main" val="0"/>
-                </a:ext>
-              </a:extLst>
-            </a:blip>
-            <a:srcRect/>
-            <a:stretch>
-              <a:fillRect/>
-            </a:stretch>
-          </p:blipFill>
-          <p:spPr bwMode="auto">
-            <a:xfrm>
-              <a:off x="2086154" y="1673533"/>
-              <a:ext cx="457200" cy="457200"/>
-            </a:xfrm>
-            <a:prstGeom prst="rect">
-              <a:avLst/>
-            </a:prstGeom>
+            <a:prstDash val="dash"/>
+          </a:ln>
+        </p:spPr>
+        <p:style>
+          <a:lnRef idx="2">
+            <a:schemeClr val="accent1">
+              <a:shade val="50000"/>
+            </a:schemeClr>
+          </a:lnRef>
+          <a:fillRef idx="1">
+            <a:schemeClr val="accent1"/>
+          </a:fillRef>
+          <a:effectRef idx="0">
+            <a:schemeClr val="accent1"/>
+          </a:effectRef>
+          <a:fontRef idx="minor">
+            <a:schemeClr val="lt1"/>
+          </a:fontRef>
+        </p:style>
+        <p:txBody>
+          <a:bodyPr lIns="502920"/>
+          <a:lstStyle/>
+          <a:p>
+            <a:pPr eaLnBrk="1" fontAlgn="auto" hangingPunct="1">
+              <a:spcBef>
+                <a:spcPts val="0"/>
+              </a:spcBef>
+              <a:spcAft>
+                <a:spcPts val="0"/>
+              </a:spcAft>
+              <a:defRPr/>
+            </a:pPr>
+            <a:r>
+              <a:rPr lang="en-US" sz="1200" dirty="0">
+                <a:solidFill>
+                  <a:srgbClr val="1E8900"/>
+                </a:solidFill>
+                <a:latin typeface="Arial" panose="020B0604020202020204" pitchFamily="34" charset="0"/>
+                <a:cs typeface="Arial" panose="020B0604020202020204" pitchFamily="34" charset="0"/>
+              </a:rPr>
+              <a:t>Public subnet</a:t>
+            </a:r>
+          </a:p>
+        </p:txBody>
+      </p:sp>
+      <p:pic>
+        <p:nvPicPr>
+          <p:cNvPr id="64" name="Graphic 63">
+            <a:extLst>
+              <a:ext uri="{FF2B5EF4-FFF2-40B4-BE49-F238E27FC236}">
+                <a16:creationId xmlns:a16="http://schemas.microsoft.com/office/drawing/2014/main" id="{257A6430-4173-4F33-BF9D-35130DD05806}"/>
+              </a:ext>
+            </a:extLst>
+          </p:cNvPr>
+          <p:cNvPicPr>
+            <a:picLocks noChangeAspect="1"/>
+          </p:cNvPicPr>
+          <p:nvPr/>
+        </p:nvPicPr>
+        <p:blipFill>
+          <a:blip r:embed="rId12">
+            <a:extLst>
+              <a:ext uri="{96DAC541-7B7A-43D3-8B79-37D633B846F1}">
+                <asvg:svgBlip xmlns:asvg="http://schemas.microsoft.com/office/drawing/2016/SVG/main" r:embed="rId13"/>
+              </a:ext>
+            </a:extLst>
+          </a:blip>
+          <a:stretch>
+            <a:fillRect/>
+          </a:stretch>
+        </p:blipFill>
+        <p:spPr>
+          <a:xfrm>
+            <a:off x="5630403" y="1382949"/>
+            <a:ext cx="381000" cy="381000"/>
+          </a:xfrm>
+          <a:prstGeom prst="rect">
+            <a:avLst/>
+          </a:prstGeom>
+        </p:spPr>
+      </p:pic>
+      <p:sp>
+        <p:nvSpPr>
+          <p:cNvPr id="67" name="Rectangle 66">
+            <a:extLst>
+              <a:ext uri="{FF2B5EF4-FFF2-40B4-BE49-F238E27FC236}">
+                <a16:creationId xmlns:a16="http://schemas.microsoft.com/office/drawing/2014/main" id="{155AA4BF-B522-46F9-8587-6B11BA451D5A}"/>
+              </a:ext>
+            </a:extLst>
+          </p:cNvPr>
+          <p:cNvSpPr/>
+          <p:nvPr/>
+        </p:nvSpPr>
+        <p:spPr>
+          <a:xfrm>
+            <a:off x="5630403" y="2584637"/>
+            <a:ext cx="2940279" cy="1542702"/>
+          </a:xfrm>
+          <a:prstGeom prst="rect">
+            <a:avLst/>
+          </a:prstGeom>
+          <a:solidFill>
+            <a:srgbClr val="007CBC">
+              <a:alpha val="9804"/>
+            </a:srgbClr>
+          </a:solidFill>
+          <a:ln w="12700">
             <a:noFill/>
-            <a:ln>
-              <a:noFill/>
-            </a:ln>
-            <a:extLst>
-              <a:ext uri="{909E8E84-426E-40DD-AFC4-6F175D3DCCD1}">
-                <a14:hiddenFill xmlns:a14="http://schemas.microsoft.com/office/drawing/2010/main">
-                  <a:solidFill>
-                    <a:srgbClr val="FFFFFF"/>
-                  </a:solidFill>
-                </a14:hiddenFill>
-              </a:ext>
-              <a:ext uri="{91240B29-F687-4F45-9708-019B960494DF}">
-                <a14:hiddenLine xmlns:a14="http://schemas.microsoft.com/office/drawing/2010/main" w="9525">
-                  <a:solidFill>
-                    <a:srgbClr val="000000"/>
-                  </a:solidFill>
-                  <a:miter lim="800000"/>
-                  <a:headEnd/>
-                  <a:tailEnd/>
-                </a14:hiddenLine>
-              </a:ext>
-            </a:extLst>
-          </p:spPr>
-        </p:pic>
-        <p:sp>
-          <p:nvSpPr>
-            <p:cNvPr id="66" name="TextBox 17">
-              <a:extLst>
-                <a:ext uri="{FF2B5EF4-FFF2-40B4-BE49-F238E27FC236}">
-                  <a16:creationId xmlns:a16="http://schemas.microsoft.com/office/drawing/2014/main" id="{21037972-EF58-4A11-B9BD-AFF54EB6D3A8}"/>
-                </a:ext>
-              </a:extLst>
-            </p:cNvPr>
-            <p:cNvSpPr txBox="1">
-              <a:spLocks noChangeArrowheads="1"/>
-            </p:cNvSpPr>
-            <p:nvPr/>
-          </p:nvSpPr>
-          <p:spPr bwMode="auto">
-            <a:xfrm>
-              <a:off x="1683974" y="2146144"/>
-              <a:ext cx="1234766" cy="276999"/>
-            </a:xfrm>
-            <a:prstGeom prst="rect">
-              <a:avLst/>
-            </a:prstGeom>
+            <a:prstDash val="dash"/>
+          </a:ln>
+        </p:spPr>
+        <p:style>
+          <a:lnRef idx="2">
+            <a:schemeClr val="accent1">
+              <a:shade val="50000"/>
+            </a:schemeClr>
+          </a:lnRef>
+          <a:fillRef idx="1">
+            <a:schemeClr val="accent1"/>
+          </a:fillRef>
+          <a:effectRef idx="0">
+            <a:schemeClr val="accent1"/>
+          </a:effectRef>
+          <a:fontRef idx="minor">
+            <a:schemeClr val="lt1"/>
+          </a:fontRef>
+        </p:style>
+        <p:txBody>
+          <a:bodyPr lIns="502920"/>
+          <a:lstStyle/>
+          <a:p>
+            <a:pPr eaLnBrk="1" fontAlgn="auto" hangingPunct="1">
+              <a:spcBef>
+                <a:spcPts val="0"/>
+              </a:spcBef>
+              <a:spcAft>
+                <a:spcPts val="0"/>
+              </a:spcAft>
+              <a:defRPr/>
+            </a:pPr>
+            <a:r>
+              <a:rPr lang="en-US" sz="1200" dirty="0">
+                <a:solidFill>
+                  <a:srgbClr val="5B9CD5"/>
+                </a:solidFill>
+                <a:latin typeface="Arial" panose="020B0604020202020204" pitchFamily="34" charset="0"/>
+                <a:cs typeface="Arial" panose="020B0604020202020204" pitchFamily="34" charset="0"/>
+              </a:rPr>
+              <a:t>Private subnet</a:t>
+            </a:r>
+          </a:p>
+        </p:txBody>
+      </p:sp>
+      <p:pic>
+        <p:nvPicPr>
+          <p:cNvPr id="68" name="Graphic 67">
+            <a:extLst>
+              <a:ext uri="{FF2B5EF4-FFF2-40B4-BE49-F238E27FC236}">
+                <a16:creationId xmlns:a16="http://schemas.microsoft.com/office/drawing/2014/main" id="{7AA6B2C5-7696-4AAD-A820-F79F51703C90}"/>
+              </a:ext>
+            </a:extLst>
+          </p:cNvPr>
+          <p:cNvPicPr>
+            <a:picLocks noChangeAspect="1"/>
+          </p:cNvPicPr>
+          <p:nvPr/>
+        </p:nvPicPr>
+        <p:blipFill>
+          <a:blip r:embed="rId15">
+            <a:extLst>
+              <a:ext uri="{96DAC541-7B7A-43D3-8B79-37D633B846F1}">
+                <asvg:svgBlip xmlns:asvg="http://schemas.microsoft.com/office/drawing/2016/SVG/main" r:embed="rId16"/>
+              </a:ext>
+            </a:extLst>
+          </a:blip>
+          <a:stretch>
+            <a:fillRect/>
+          </a:stretch>
+        </p:blipFill>
+        <p:spPr>
+          <a:xfrm>
+            <a:off x="5630403" y="2584638"/>
+            <a:ext cx="381000" cy="381000"/>
+          </a:xfrm>
+          <a:prstGeom prst="rect">
+            <a:avLst/>
+          </a:prstGeom>
+        </p:spPr>
+      </p:pic>
+      <p:sp>
+        <p:nvSpPr>
+          <p:cNvPr id="69" name="TextBox 12">
+            <a:extLst>
+              <a:ext uri="{FF2B5EF4-FFF2-40B4-BE49-F238E27FC236}">
+                <a16:creationId xmlns:a16="http://schemas.microsoft.com/office/drawing/2014/main" id="{BA075B1A-B397-4C28-B3DC-C3572F793A30}"/>
+              </a:ext>
+            </a:extLst>
+          </p:cNvPr>
+          <p:cNvSpPr txBox="1">
+            <a:spLocks noChangeArrowheads="1"/>
+          </p:cNvSpPr>
+          <p:nvPr/>
+        </p:nvSpPr>
+        <p:spPr bwMode="auto">
+          <a:xfrm>
+            <a:off x="6601462" y="3769186"/>
+            <a:ext cx="2279650" cy="276999"/>
+          </a:xfrm>
+          <a:prstGeom prst="rect">
+            <a:avLst/>
+          </a:prstGeom>
+          <a:noFill/>
+          <a:ln>
             <a:noFill/>
-            <a:ln>
-              <a:noFill/>
-            </a:ln>
-            <a:extLst>
-              <a:ext uri="{909E8E84-426E-40DD-AFC4-6F175D3DCCD1}">
-                <a14:hiddenFill xmlns:a14="http://schemas.microsoft.com/office/drawing/2010/main">
-                  <a:solidFill>
-                    <a:srgbClr val="FFFFFF"/>
-                  </a:solidFill>
-                </a14:hiddenFill>
-              </a:ext>
-              <a:ext uri="{91240B29-F687-4F45-9708-019B960494DF}">
-                <a14:hiddenLine xmlns:a14="http://schemas.microsoft.com/office/drawing/2010/main" w="9525">
-                  <a:solidFill>
-                    <a:srgbClr val="000000"/>
-                  </a:solidFill>
-                  <a:miter lim="800000"/>
-                  <a:headEnd/>
-                  <a:tailEnd/>
-                </a14:hiddenLine>
-              </a:ext>
-            </a:extLst>
-          </p:spPr>
-          <p:txBody>
-            <a:bodyPr wrap="square">
-              <a:spAutoFit/>
-            </a:bodyPr>
-            <a:lstStyle>
-              <a:lvl1pPr>
-                <a:defRPr>
-                  <a:solidFill>
-                    <a:schemeClr val="tx1"/>
-                  </a:solidFill>
-                  <a:latin typeface="Calibri" panose="020F0502020204030204" pitchFamily="34" charset="0"/>
-                </a:defRPr>
-              </a:lvl1pPr>
-              <a:lvl2pPr marL="742950" indent="-285750">
-                <a:defRPr>
-                  <a:solidFill>
-                    <a:schemeClr val="tx1"/>
-                  </a:solidFill>
-                  <a:latin typeface="Calibri" panose="020F0502020204030204" pitchFamily="34" charset="0"/>
-                </a:defRPr>
-              </a:lvl2pPr>
-              <a:lvl3pPr marL="1143000" indent="-228600">
-                <a:defRPr>
-                  <a:solidFill>
-                    <a:schemeClr val="tx1"/>
-                  </a:solidFill>
-                  <a:latin typeface="Calibri" panose="020F0502020204030204" pitchFamily="34" charset="0"/>
-                </a:defRPr>
-              </a:lvl3pPr>
-              <a:lvl4pPr marL="1600200" indent="-228600">
-                <a:defRPr>
-                  <a:solidFill>
-                    <a:schemeClr val="tx1"/>
-                  </a:solidFill>
-                  <a:latin typeface="Calibri" panose="020F0502020204030204" pitchFamily="34" charset="0"/>
-                </a:defRPr>
-              </a:lvl4pPr>
-              <a:lvl5pPr marL="2057400" indent="-228600">
-                <a:defRPr>
-                  <a:solidFill>
-                    <a:schemeClr val="tx1"/>
-                  </a:solidFill>
-                  <a:latin typeface="Calibri" panose="020F0502020204030204" pitchFamily="34" charset="0"/>
-                </a:defRPr>
-              </a:lvl5pPr>
-              <a:lvl6pPr marL="2514600" indent="-228600" eaLnBrk="0" fontAlgn="base" hangingPunct="0">
-                <a:spcBef>
-                  <a:spcPct val="0"/>
-                </a:spcBef>
-                <a:spcAft>
-                  <a:spcPct val="0"/>
-                </a:spcAft>
-                <a:defRPr>
-                  <a:solidFill>
-                    <a:schemeClr val="tx1"/>
-                  </a:solidFill>
-                  <a:latin typeface="Calibri" panose="020F0502020204030204" pitchFamily="34" charset="0"/>
-                </a:defRPr>
-              </a:lvl6pPr>
-              <a:lvl7pPr marL="2971800" indent="-228600" eaLnBrk="0" fontAlgn="base" hangingPunct="0">
-                <a:spcBef>
-                  <a:spcPct val="0"/>
-                </a:spcBef>
-                <a:spcAft>
-                  <a:spcPct val="0"/>
-                </a:spcAft>
-                <a:defRPr>
-                  <a:solidFill>
-                    <a:schemeClr val="tx1"/>
-                  </a:solidFill>
-                  <a:latin typeface="Calibri" panose="020F0502020204030204" pitchFamily="34" charset="0"/>
-                </a:defRPr>
-              </a:lvl7pPr>
-              <a:lvl8pPr marL="3429000" indent="-228600" eaLnBrk="0" fontAlgn="base" hangingPunct="0">
-                <a:spcBef>
-                  <a:spcPct val="0"/>
-                </a:spcBef>
-                <a:spcAft>
-                  <a:spcPct val="0"/>
-                </a:spcAft>
-                <a:defRPr>
-                  <a:solidFill>
-                    <a:schemeClr val="tx1"/>
-                  </a:solidFill>
-                  <a:latin typeface="Calibri" panose="020F0502020204030204" pitchFamily="34" charset="0"/>
-                </a:defRPr>
-              </a:lvl8pPr>
-              <a:lvl9pPr marL="3886200" indent="-228600" eaLnBrk="0" fontAlgn="base" hangingPunct="0">
-                <a:spcBef>
-                  <a:spcPct val="0"/>
-                </a:spcBef>
-                <a:spcAft>
-                  <a:spcPct val="0"/>
-                </a:spcAft>
-                <a:defRPr>
-                  <a:solidFill>
-                    <a:schemeClr val="tx1"/>
-                  </a:solidFill>
-                  <a:latin typeface="Calibri" panose="020F0502020204030204" pitchFamily="34" charset="0"/>
-                </a:defRPr>
-              </a:lvl9pPr>
-            </a:lstStyle>
-            <a:p>
-              <a:pPr algn="ctr" eaLnBrk="1" hangingPunct="1"/>
-              <a:r>
-                <a:rPr lang="en-US" altLang="en-US" sz="1200" dirty="0">
-                  <a:latin typeface="Arial" panose="020B0604020202020204" pitchFamily="34" charset="0"/>
-                  <a:ea typeface="Amazon Ember" panose="020B0603020204020204" pitchFamily="34" charset="0"/>
-                  <a:cs typeface="Arial" panose="020B0604020202020204" pitchFamily="34" charset="0"/>
-                </a:rPr>
-                <a:t>NAT gateway</a:t>
-              </a:r>
-            </a:p>
-          </p:txBody>
-        </p:sp>
-        <p:sp>
-          <p:nvSpPr>
-            <p:cNvPr id="67" name="Rectangle 66">
-              <a:extLst>
-                <a:ext uri="{FF2B5EF4-FFF2-40B4-BE49-F238E27FC236}">
-                  <a16:creationId xmlns:a16="http://schemas.microsoft.com/office/drawing/2014/main" id="{155AA4BF-B522-46F9-8587-6B11BA451D5A}"/>
-                </a:ext>
-              </a:extLst>
-            </p:cNvPr>
-            <p:cNvSpPr/>
-            <p:nvPr/>
-          </p:nvSpPr>
-          <p:spPr>
-            <a:xfrm>
-              <a:off x="794426" y="2584637"/>
-              <a:ext cx="2940279" cy="1542702"/>
-            </a:xfrm>
-            <a:prstGeom prst="rect">
-              <a:avLst/>
-            </a:prstGeom>
-            <a:solidFill>
-              <a:srgbClr val="007CBC">
-                <a:alpha val="9804"/>
-              </a:srgbClr>
-            </a:solidFill>
-            <a:ln w="12700">
-              <a:noFill/>
-              <a:prstDash val="dash"/>
-            </a:ln>
-          </p:spPr>
-          <p:style>
-            <a:lnRef idx="2">
-              <a:schemeClr val="accent1">
-                <a:shade val="50000"/>
-              </a:schemeClr>
-            </a:lnRef>
-            <a:fillRef idx="1">
-              <a:schemeClr val="accent1"/>
-            </a:fillRef>
-            <a:effectRef idx="0">
-              <a:schemeClr val="accent1"/>
-            </a:effectRef>
-            <a:fontRef idx="minor">
-              <a:schemeClr val="lt1"/>
-            </a:fontRef>
-          </p:style>
-          <p:txBody>
-            <a:bodyPr lIns="502920"/>
-            <a:lstStyle/>
-            <a:p>
-              <a:pPr eaLnBrk="1" fontAlgn="auto" hangingPunct="1">
-                <a:spcBef>
-                  <a:spcPts val="0"/>
-                </a:spcBef>
-                <a:spcAft>
-                  <a:spcPts val="0"/>
-                </a:spcAft>
-                <a:defRPr/>
-              </a:pPr>
-              <a:r>
-                <a:rPr lang="en-US" sz="1200" dirty="0">
-                  <a:solidFill>
-                    <a:srgbClr val="5B9CD5"/>
-                  </a:solidFill>
-                  <a:latin typeface="Arial" panose="020B0604020202020204" pitchFamily="34" charset="0"/>
-                  <a:cs typeface="Arial" panose="020B0604020202020204" pitchFamily="34" charset="0"/>
-                </a:rPr>
-                <a:t>Private subnet</a:t>
-              </a:r>
-            </a:p>
-          </p:txBody>
-        </p:sp>
-        <p:pic>
-          <p:nvPicPr>
-            <p:cNvPr id="68" name="Graphic 67">
-              <a:extLst>
-                <a:ext uri="{FF2B5EF4-FFF2-40B4-BE49-F238E27FC236}">
-                  <a16:creationId xmlns:a16="http://schemas.microsoft.com/office/drawing/2014/main" id="{7AA6B2C5-7696-4AAD-A820-F79F51703C90}"/>
-                </a:ext>
-              </a:extLst>
-            </p:cNvPr>
-            <p:cNvPicPr>
-              <a:picLocks noChangeAspect="1"/>
-            </p:cNvPicPr>
-            <p:nvPr/>
-          </p:nvPicPr>
-          <p:blipFill>
-            <a:blip r:embed="rId15">
-              <a:extLst>
-                <a:ext uri="{96DAC541-7B7A-43D3-8B79-37D633B846F1}">
-                  <asvg:svgBlip xmlns:asvg="http://schemas.microsoft.com/office/drawing/2016/SVG/main" r:embed="rId16"/>
-                </a:ext>
-              </a:extLst>
-            </a:blip>
-            <a:stretch>
-              <a:fillRect/>
-            </a:stretch>
-          </p:blipFill>
-          <p:spPr>
-            <a:xfrm>
-              <a:off x="794426" y="2584638"/>
-              <a:ext cx="381000" cy="381000"/>
-            </a:xfrm>
-            <a:prstGeom prst="rect">
-              <a:avLst/>
-            </a:prstGeom>
-          </p:spPr>
-        </p:pic>
-        <p:sp>
-          <p:nvSpPr>
-            <p:cNvPr id="69" name="TextBox 12">
-              <a:extLst>
-                <a:ext uri="{FF2B5EF4-FFF2-40B4-BE49-F238E27FC236}">
-                  <a16:creationId xmlns:a16="http://schemas.microsoft.com/office/drawing/2014/main" id="{BA075B1A-B397-4C28-B3DC-C3572F793A30}"/>
-                </a:ext>
-              </a:extLst>
-            </p:cNvPr>
-            <p:cNvSpPr txBox="1">
-              <a:spLocks noChangeArrowheads="1"/>
-            </p:cNvSpPr>
-            <p:nvPr/>
-          </p:nvSpPr>
-          <p:spPr bwMode="auto">
-            <a:xfrm>
-              <a:off x="1765485" y="3769186"/>
-              <a:ext cx="2279650" cy="276999"/>
-            </a:xfrm>
-            <a:prstGeom prst="rect">
-              <a:avLst/>
-            </a:prstGeom>
-            <a:noFill/>
-            <a:ln>
-              <a:noFill/>
-            </a:ln>
-            <a:extLst>
-              <a:ext uri="{909E8E84-426E-40DD-AFC4-6F175D3DCCD1}">
-                <a14:hiddenFill xmlns:a14="http://schemas.microsoft.com/office/drawing/2010/main">
-                  <a:solidFill>
-                    <a:srgbClr val="FFFFFF"/>
-                  </a:solidFill>
-                </a14:hiddenFill>
-              </a:ext>
-              <a:ext uri="{91240B29-F687-4F45-9708-019B960494DF}">
-                <a14:hiddenLine xmlns:a14="http://schemas.microsoft.com/office/drawing/2010/main" w="9525">
-                  <a:solidFill>
-                    <a:srgbClr val="000000"/>
-                  </a:solidFill>
-                  <a:miter lim="800000"/>
-                  <a:headEnd/>
-                  <a:tailEnd/>
-                </a14:hiddenLine>
-              </a:ext>
-            </a:extLst>
-          </p:spPr>
-          <p:txBody>
-            <a:bodyPr>
-              <a:spAutoFit/>
-            </a:bodyPr>
-            <a:lstStyle>
-              <a:lvl1pPr>
-                <a:defRPr>
-                  <a:solidFill>
-                    <a:schemeClr val="tx1"/>
-                  </a:solidFill>
-                  <a:latin typeface="Calibri" panose="020F0502020204030204" pitchFamily="34" charset="0"/>
-                </a:defRPr>
-              </a:lvl1pPr>
-              <a:lvl2pPr marL="742950" indent="-285750">
-                <a:defRPr>
-                  <a:solidFill>
-                    <a:schemeClr val="tx1"/>
-                  </a:solidFill>
-                  <a:latin typeface="Calibri" panose="020F0502020204030204" pitchFamily="34" charset="0"/>
-                </a:defRPr>
-              </a:lvl2pPr>
-              <a:lvl3pPr marL="1143000" indent="-228600">
-                <a:defRPr>
-                  <a:solidFill>
-                    <a:schemeClr val="tx1"/>
-                  </a:solidFill>
-                  <a:latin typeface="Calibri" panose="020F0502020204030204" pitchFamily="34" charset="0"/>
-                </a:defRPr>
-              </a:lvl3pPr>
-              <a:lvl4pPr marL="1600200" indent="-228600">
-                <a:defRPr>
-                  <a:solidFill>
-                    <a:schemeClr val="tx1"/>
-                  </a:solidFill>
-                  <a:latin typeface="Calibri" panose="020F0502020204030204" pitchFamily="34" charset="0"/>
-                </a:defRPr>
-              </a:lvl4pPr>
-              <a:lvl5pPr marL="2057400" indent="-228600">
-                <a:defRPr>
-                  <a:solidFill>
-                    <a:schemeClr val="tx1"/>
-                  </a:solidFill>
-                  <a:latin typeface="Calibri" panose="020F0502020204030204" pitchFamily="34" charset="0"/>
-                </a:defRPr>
-              </a:lvl5pPr>
-              <a:lvl6pPr marL="2514600" indent="-228600" eaLnBrk="0" fontAlgn="base" hangingPunct="0">
-                <a:spcBef>
-                  <a:spcPct val="0"/>
-                </a:spcBef>
-                <a:spcAft>
-                  <a:spcPct val="0"/>
-                </a:spcAft>
-                <a:defRPr>
-                  <a:solidFill>
-                    <a:schemeClr val="tx1"/>
-                  </a:solidFill>
-                  <a:latin typeface="Calibri" panose="020F0502020204030204" pitchFamily="34" charset="0"/>
-                </a:defRPr>
-              </a:lvl6pPr>
-              <a:lvl7pPr marL="2971800" indent="-228600" eaLnBrk="0" fontAlgn="base" hangingPunct="0">
-                <a:spcBef>
-                  <a:spcPct val="0"/>
-                </a:spcBef>
-                <a:spcAft>
-                  <a:spcPct val="0"/>
-                </a:spcAft>
-                <a:defRPr>
-                  <a:solidFill>
-                    <a:schemeClr val="tx1"/>
-                  </a:solidFill>
-                  <a:latin typeface="Calibri" panose="020F0502020204030204" pitchFamily="34" charset="0"/>
-                </a:defRPr>
-              </a:lvl7pPr>
-              <a:lvl8pPr marL="3429000" indent="-228600" eaLnBrk="0" fontAlgn="base" hangingPunct="0">
-                <a:spcBef>
-                  <a:spcPct val="0"/>
-                </a:spcBef>
-                <a:spcAft>
-                  <a:spcPct val="0"/>
-                </a:spcAft>
-                <a:defRPr>
-                  <a:solidFill>
-                    <a:schemeClr val="tx1"/>
-                  </a:solidFill>
-                  <a:latin typeface="Calibri" panose="020F0502020204030204" pitchFamily="34" charset="0"/>
-                </a:defRPr>
-              </a:lvl8pPr>
-              <a:lvl9pPr marL="3886200" indent="-228600" eaLnBrk="0" fontAlgn="base" hangingPunct="0">
-                <a:spcBef>
-                  <a:spcPct val="0"/>
-                </a:spcBef>
-                <a:spcAft>
-                  <a:spcPct val="0"/>
-                </a:spcAft>
-                <a:defRPr>
-                  <a:solidFill>
-                    <a:schemeClr val="tx1"/>
-                  </a:solidFill>
-                  <a:latin typeface="Calibri" panose="020F0502020204030204" pitchFamily="34" charset="0"/>
-                </a:defRPr>
-              </a:lvl9pPr>
-            </a:lstStyle>
-            <a:p>
-              <a:pPr algn="ctr" eaLnBrk="1" hangingPunct="1"/>
-              <a:r>
-                <a:rPr lang="en-US" altLang="en-US" sz="1200" dirty="0">
-                  <a:latin typeface="Arial" panose="020B0604020202020204" pitchFamily="34" charset="0"/>
-                  <a:ea typeface="Amazon Ember" panose="020B0603020204020204" pitchFamily="34" charset="0"/>
-                  <a:cs typeface="Arial" panose="020B0604020202020204" pitchFamily="34" charset="0"/>
-                </a:rPr>
-                <a:t>AWS Fargate</a:t>
-              </a:r>
-            </a:p>
-          </p:txBody>
-        </p:sp>
-        <p:pic>
-          <p:nvPicPr>
-            <p:cNvPr id="70" name="Graphic 14">
-              <a:extLst>
-                <a:ext uri="{FF2B5EF4-FFF2-40B4-BE49-F238E27FC236}">
-                  <a16:creationId xmlns:a16="http://schemas.microsoft.com/office/drawing/2014/main" id="{BC1A6B02-DA9D-4005-B064-D6A92C1C46FE}"/>
-                </a:ext>
-              </a:extLst>
-            </p:cNvPr>
-            <p:cNvPicPr>
-              <a:picLocks noChangeAspect="1" noChangeArrowheads="1"/>
-            </p:cNvPicPr>
-            <p:nvPr/>
-          </p:nvPicPr>
-          <p:blipFill>
-            <a:blip r:embed="rId17">
-              <a:extLst>
-                <a:ext uri="{28A0092B-C50C-407E-A947-70E740481C1C}">
-                  <a14:useLocalDpi xmlns:a14="http://schemas.microsoft.com/office/drawing/2010/main" val="0"/>
-                </a:ext>
-              </a:extLst>
-            </a:blip>
-            <a:srcRect/>
-            <a:stretch>
-              <a:fillRect/>
-            </a:stretch>
-          </p:blipFill>
-          <p:spPr bwMode="auto">
-            <a:xfrm>
-              <a:off x="2524310" y="2987071"/>
-              <a:ext cx="762000" cy="762000"/>
-            </a:xfrm>
-            <a:prstGeom prst="rect">
-              <a:avLst/>
-            </a:prstGeom>
-            <a:noFill/>
-            <a:ln>
-              <a:noFill/>
-            </a:ln>
-            <a:extLst>
-              <a:ext uri="{909E8E84-426E-40DD-AFC4-6F175D3DCCD1}">
-                <a14:hiddenFill xmlns:a14="http://schemas.microsoft.com/office/drawing/2010/main">
-                  <a:solidFill>
-                    <a:srgbClr val="FFFFFF"/>
-                  </a:solidFill>
-                </a14:hiddenFill>
-              </a:ext>
-              <a:ext uri="{91240B29-F687-4F45-9708-019B960494DF}">
-                <a14:hiddenLine xmlns:a14="http://schemas.microsoft.com/office/drawing/2010/main" w="9525">
-                  <a:solidFill>
-                    <a:srgbClr val="000000"/>
-                  </a:solidFill>
-                  <a:miter lim="800000"/>
-                  <a:headEnd/>
-                  <a:tailEnd/>
-                </a14:hiddenLine>
-              </a:ext>
-            </a:extLst>
-          </p:spPr>
-        </p:pic>
-        <p:pic>
-          <p:nvPicPr>
-            <p:cNvPr id="71" name="Graphic 18">
-              <a:extLst>
-                <a:ext uri="{FF2B5EF4-FFF2-40B4-BE49-F238E27FC236}">
-                  <a16:creationId xmlns:a16="http://schemas.microsoft.com/office/drawing/2014/main" id="{E198A61E-ACC2-4165-A51E-D446621D7D31}"/>
-                </a:ext>
-              </a:extLst>
-            </p:cNvPr>
-            <p:cNvPicPr>
-              <a:picLocks noChangeAspect="1" noChangeArrowheads="1"/>
-            </p:cNvPicPr>
-            <p:nvPr/>
-          </p:nvPicPr>
-          <p:blipFill>
-            <a:blip r:embed="rId18">
-              <a:extLst>
-                <a:ext uri="{28A0092B-C50C-407E-A947-70E740481C1C}">
-                  <a14:useLocalDpi xmlns:a14="http://schemas.microsoft.com/office/drawing/2010/main" val="0"/>
-                </a:ext>
-              </a:extLst>
-            </a:blip>
-            <a:srcRect/>
-            <a:stretch>
-              <a:fillRect/>
-            </a:stretch>
-          </p:blipFill>
-          <p:spPr bwMode="auto">
-            <a:xfrm>
-              <a:off x="1289940" y="2945502"/>
-              <a:ext cx="762000" cy="762000"/>
-            </a:xfrm>
-            <a:prstGeom prst="rect">
-              <a:avLst/>
-            </a:prstGeom>
-            <a:noFill/>
-            <a:ln>
-              <a:noFill/>
-            </a:ln>
-            <a:extLst>
-              <a:ext uri="{909E8E84-426E-40DD-AFC4-6F175D3DCCD1}">
-                <a14:hiddenFill xmlns:a14="http://schemas.microsoft.com/office/drawing/2010/main">
-                  <a:solidFill>
-                    <a:srgbClr val="FFFFFF"/>
-                  </a:solidFill>
-                </a14:hiddenFill>
-              </a:ext>
-              <a:ext uri="{91240B29-F687-4F45-9708-019B960494DF}">
-                <a14:hiddenLine xmlns:a14="http://schemas.microsoft.com/office/drawing/2010/main" w="9525">
-                  <a:solidFill>
-                    <a:srgbClr val="000000"/>
-                  </a:solidFill>
-                  <a:miter lim="800000"/>
-                  <a:headEnd/>
-                  <a:tailEnd/>
-                </a14:hiddenLine>
-              </a:ext>
-            </a:extLst>
-          </p:spPr>
-        </p:pic>
-        <p:sp>
-          <p:nvSpPr>
-            <p:cNvPr id="72" name="TextBox 12">
-              <a:extLst>
-                <a:ext uri="{FF2B5EF4-FFF2-40B4-BE49-F238E27FC236}">
-                  <a16:creationId xmlns:a16="http://schemas.microsoft.com/office/drawing/2014/main" id="{C09473FA-55FD-48CB-B955-B7B83D684A91}"/>
-                </a:ext>
-              </a:extLst>
-            </p:cNvPr>
-            <p:cNvSpPr txBox="1">
-              <a:spLocks noChangeArrowheads="1"/>
-            </p:cNvSpPr>
-            <p:nvPr/>
-          </p:nvSpPr>
-          <p:spPr bwMode="auto">
-            <a:xfrm>
-              <a:off x="490911" y="3777866"/>
-              <a:ext cx="2279650" cy="276999"/>
-            </a:xfrm>
-            <a:prstGeom prst="rect">
-              <a:avLst/>
-            </a:prstGeom>
-            <a:noFill/>
-            <a:ln>
-              <a:noFill/>
-            </a:ln>
-            <a:extLst>
-              <a:ext uri="{909E8E84-426E-40DD-AFC4-6F175D3DCCD1}">
-                <a14:hiddenFill xmlns:a14="http://schemas.microsoft.com/office/drawing/2010/main">
-                  <a:solidFill>
-                    <a:srgbClr val="FFFFFF"/>
-                  </a:solidFill>
-                </a14:hiddenFill>
-              </a:ext>
-              <a:ext uri="{91240B29-F687-4F45-9708-019B960494DF}">
-                <a14:hiddenLine xmlns:a14="http://schemas.microsoft.com/office/drawing/2010/main" w="9525">
-                  <a:solidFill>
-                    <a:srgbClr val="000000"/>
-                  </a:solidFill>
-                  <a:miter lim="800000"/>
-                  <a:headEnd/>
-                  <a:tailEnd/>
-                </a14:hiddenLine>
-              </a:ext>
-            </a:extLst>
-          </p:spPr>
-          <p:txBody>
-            <a:bodyPr>
-              <a:spAutoFit/>
-            </a:bodyPr>
-            <a:lstStyle>
-              <a:lvl1pPr>
-                <a:defRPr>
-                  <a:solidFill>
-                    <a:schemeClr val="tx1"/>
-                  </a:solidFill>
-                  <a:latin typeface="Calibri" panose="020F0502020204030204" pitchFamily="34" charset="0"/>
-                </a:defRPr>
-              </a:lvl1pPr>
-              <a:lvl2pPr marL="742950" indent="-285750">
-                <a:defRPr>
-                  <a:solidFill>
-                    <a:schemeClr val="tx1"/>
-                  </a:solidFill>
-                  <a:latin typeface="Calibri" panose="020F0502020204030204" pitchFamily="34" charset="0"/>
-                </a:defRPr>
-              </a:lvl2pPr>
-              <a:lvl3pPr marL="1143000" indent="-228600">
-                <a:defRPr>
-                  <a:solidFill>
-                    <a:schemeClr val="tx1"/>
-                  </a:solidFill>
-                  <a:latin typeface="Calibri" panose="020F0502020204030204" pitchFamily="34" charset="0"/>
-                </a:defRPr>
-              </a:lvl3pPr>
-              <a:lvl4pPr marL="1600200" indent="-228600">
-                <a:defRPr>
-                  <a:solidFill>
-                    <a:schemeClr val="tx1"/>
-                  </a:solidFill>
-                  <a:latin typeface="Calibri" panose="020F0502020204030204" pitchFamily="34" charset="0"/>
-                </a:defRPr>
-              </a:lvl4pPr>
-              <a:lvl5pPr marL="2057400" indent="-228600">
-                <a:defRPr>
-                  <a:solidFill>
-                    <a:schemeClr val="tx1"/>
-                  </a:solidFill>
-                  <a:latin typeface="Calibri" panose="020F0502020204030204" pitchFamily="34" charset="0"/>
-                </a:defRPr>
-              </a:lvl5pPr>
-              <a:lvl6pPr marL="2514600" indent="-228600" eaLnBrk="0" fontAlgn="base" hangingPunct="0">
-                <a:spcBef>
-                  <a:spcPct val="0"/>
-                </a:spcBef>
-                <a:spcAft>
-                  <a:spcPct val="0"/>
-                </a:spcAft>
-                <a:defRPr>
-                  <a:solidFill>
-                    <a:schemeClr val="tx1"/>
-                  </a:solidFill>
-                  <a:latin typeface="Calibri" panose="020F0502020204030204" pitchFamily="34" charset="0"/>
-                </a:defRPr>
-              </a:lvl6pPr>
-              <a:lvl7pPr marL="2971800" indent="-228600" eaLnBrk="0" fontAlgn="base" hangingPunct="0">
-                <a:spcBef>
-                  <a:spcPct val="0"/>
-                </a:spcBef>
-                <a:spcAft>
-                  <a:spcPct val="0"/>
-                </a:spcAft>
-                <a:defRPr>
-                  <a:solidFill>
-                    <a:schemeClr val="tx1"/>
-                  </a:solidFill>
-                  <a:latin typeface="Calibri" panose="020F0502020204030204" pitchFamily="34" charset="0"/>
-                </a:defRPr>
-              </a:lvl7pPr>
-              <a:lvl8pPr marL="3429000" indent="-228600" eaLnBrk="0" fontAlgn="base" hangingPunct="0">
-                <a:spcBef>
-                  <a:spcPct val="0"/>
-                </a:spcBef>
-                <a:spcAft>
-                  <a:spcPct val="0"/>
-                </a:spcAft>
-                <a:defRPr>
-                  <a:solidFill>
-                    <a:schemeClr val="tx1"/>
-                  </a:solidFill>
-                  <a:latin typeface="Calibri" panose="020F0502020204030204" pitchFamily="34" charset="0"/>
-                </a:defRPr>
-              </a:lvl8pPr>
-              <a:lvl9pPr marL="3886200" indent="-228600" eaLnBrk="0" fontAlgn="base" hangingPunct="0">
-                <a:spcBef>
-                  <a:spcPct val="0"/>
-                </a:spcBef>
-                <a:spcAft>
-                  <a:spcPct val="0"/>
-                </a:spcAft>
-                <a:defRPr>
-                  <a:solidFill>
-                    <a:schemeClr val="tx1"/>
-                  </a:solidFill>
-                  <a:latin typeface="Calibri" panose="020F0502020204030204" pitchFamily="34" charset="0"/>
-                </a:defRPr>
-              </a:lvl9pPr>
-            </a:lstStyle>
-            <a:p>
-              <a:pPr algn="ctr" eaLnBrk="1" hangingPunct="1"/>
-              <a:r>
-                <a:rPr lang="en-US" altLang="en-US" sz="1200" dirty="0">
-                  <a:latin typeface="Arial" panose="020B0604020202020204" pitchFamily="34" charset="0"/>
-                  <a:ea typeface="Amazon Ember" panose="020B0603020204020204" pitchFamily="34" charset="0"/>
-                  <a:cs typeface="Arial" panose="020B0604020202020204" pitchFamily="34" charset="0"/>
-                </a:rPr>
-                <a:t>Amazon ECS</a:t>
-              </a:r>
-            </a:p>
-          </p:txBody>
-        </p:sp>
-        <p:sp>
-          <p:nvSpPr>
-            <p:cNvPr id="73" name="Rectangle 72">
-              <a:extLst>
-                <a:ext uri="{FF2B5EF4-FFF2-40B4-BE49-F238E27FC236}">
-                  <a16:creationId xmlns:a16="http://schemas.microsoft.com/office/drawing/2014/main" id="{CBD0DA82-3600-4819-A76F-37AFBF528683}"/>
-                </a:ext>
-              </a:extLst>
-            </p:cNvPr>
-            <p:cNvSpPr/>
-            <p:nvPr/>
-          </p:nvSpPr>
-          <p:spPr>
-            <a:xfrm>
-              <a:off x="794426" y="4258531"/>
-              <a:ext cx="2940279" cy="1667171"/>
-            </a:xfrm>
-            <a:prstGeom prst="rect">
-              <a:avLst/>
-            </a:prstGeom>
-            <a:solidFill>
-              <a:srgbClr val="007CBC">
-                <a:alpha val="9804"/>
-              </a:srgbClr>
-            </a:solidFill>
-            <a:ln w="12700">
-              <a:noFill/>
-              <a:prstDash val="dash"/>
-            </a:ln>
-          </p:spPr>
-          <p:style>
-            <a:lnRef idx="2">
-              <a:schemeClr val="accent1">
-                <a:shade val="50000"/>
-              </a:schemeClr>
-            </a:lnRef>
-            <a:fillRef idx="1">
-              <a:schemeClr val="accent1"/>
-            </a:fillRef>
-            <a:effectRef idx="0">
-              <a:schemeClr val="accent1"/>
-            </a:effectRef>
-            <a:fontRef idx="minor">
-              <a:schemeClr val="lt1"/>
-            </a:fontRef>
-          </p:style>
-          <p:txBody>
-            <a:bodyPr lIns="502920"/>
-            <a:lstStyle/>
-            <a:p>
-              <a:pPr eaLnBrk="1" fontAlgn="auto" hangingPunct="1">
-                <a:spcBef>
-                  <a:spcPts val="0"/>
-                </a:spcBef>
-                <a:spcAft>
-                  <a:spcPts val="0"/>
-                </a:spcAft>
-                <a:defRPr/>
-              </a:pPr>
-              <a:r>
-                <a:rPr lang="en-US" sz="1200" dirty="0">
-                  <a:solidFill>
-                    <a:srgbClr val="5B9CD5"/>
-                  </a:solidFill>
-                  <a:latin typeface="Arial" panose="020B0604020202020204" pitchFamily="34" charset="0"/>
-                  <a:cs typeface="Arial" panose="020B0604020202020204" pitchFamily="34" charset="0"/>
-                </a:rPr>
-                <a:t>Private subnet</a:t>
-              </a:r>
-            </a:p>
-          </p:txBody>
-        </p:sp>
-        <p:pic>
-          <p:nvPicPr>
-            <p:cNvPr id="74" name="Graphic 73">
-              <a:extLst>
-                <a:ext uri="{FF2B5EF4-FFF2-40B4-BE49-F238E27FC236}">
-                  <a16:creationId xmlns:a16="http://schemas.microsoft.com/office/drawing/2014/main" id="{9D7A38F8-20CF-4236-809D-5CC47FF6359A}"/>
-                </a:ext>
-              </a:extLst>
-            </p:cNvPr>
-            <p:cNvPicPr>
-              <a:picLocks noChangeAspect="1"/>
-            </p:cNvPicPr>
-            <p:nvPr/>
-          </p:nvPicPr>
-          <p:blipFill>
-            <a:blip r:embed="rId15">
-              <a:extLst>
-                <a:ext uri="{96DAC541-7B7A-43D3-8B79-37D633B846F1}">
-                  <asvg:svgBlip xmlns:asvg="http://schemas.microsoft.com/office/drawing/2016/SVG/main" r:embed="rId16"/>
-                </a:ext>
-              </a:extLst>
-            </a:blip>
-            <a:stretch>
-              <a:fillRect/>
-            </a:stretch>
-          </p:blipFill>
-          <p:spPr>
-            <a:xfrm>
-              <a:off x="794426" y="4258530"/>
-              <a:ext cx="381000" cy="381000"/>
-            </a:xfrm>
-            <a:prstGeom prst="rect">
-              <a:avLst/>
-            </a:prstGeom>
-          </p:spPr>
-        </p:pic>
-        <p:sp>
-          <p:nvSpPr>
-            <p:cNvPr id="75" name="TextBox 9">
-              <a:extLst>
-                <a:ext uri="{FF2B5EF4-FFF2-40B4-BE49-F238E27FC236}">
-                  <a16:creationId xmlns:a16="http://schemas.microsoft.com/office/drawing/2014/main" id="{A5B7D680-C43D-4FB0-94EC-693B957953D8}"/>
-                </a:ext>
-              </a:extLst>
-            </p:cNvPr>
-            <p:cNvSpPr txBox="1">
-              <a:spLocks noChangeArrowheads="1"/>
-            </p:cNvSpPr>
-            <p:nvPr/>
-          </p:nvSpPr>
-          <p:spPr bwMode="auto">
-            <a:xfrm>
-              <a:off x="466126" y="5552561"/>
-              <a:ext cx="2243137" cy="276999"/>
-            </a:xfrm>
-            <a:prstGeom prst="rect">
-              <a:avLst/>
-            </a:prstGeom>
-            <a:noFill/>
-            <a:ln>
-              <a:noFill/>
-            </a:ln>
-            <a:extLst>
-              <a:ext uri="{909E8E84-426E-40DD-AFC4-6F175D3DCCD1}">
-                <a14:hiddenFill xmlns:a14="http://schemas.microsoft.com/office/drawing/2010/main">
-                  <a:solidFill>
-                    <a:srgbClr val="FFFFFF"/>
-                  </a:solidFill>
-                </a14:hiddenFill>
-              </a:ext>
-              <a:ext uri="{91240B29-F687-4F45-9708-019B960494DF}">
-                <a14:hiddenLine xmlns:a14="http://schemas.microsoft.com/office/drawing/2010/main" w="9525">
-                  <a:solidFill>
-                    <a:srgbClr val="000000"/>
-                  </a:solidFill>
-                  <a:miter lim="800000"/>
-                  <a:headEnd/>
-                  <a:tailEnd/>
-                </a14:hiddenLine>
-              </a:ext>
-            </a:extLst>
-          </p:spPr>
-          <p:txBody>
-            <a:bodyPr>
-              <a:spAutoFit/>
-            </a:bodyPr>
-            <a:lstStyle>
-              <a:lvl1pPr>
-                <a:defRPr>
-                  <a:solidFill>
-                    <a:schemeClr val="tx1"/>
-                  </a:solidFill>
-                  <a:latin typeface="Calibri" panose="020F0502020204030204" pitchFamily="34" charset="0"/>
-                </a:defRPr>
-              </a:lvl1pPr>
-              <a:lvl2pPr marL="742950" indent="-285750">
-                <a:defRPr>
-                  <a:solidFill>
-                    <a:schemeClr val="tx1"/>
-                  </a:solidFill>
-                  <a:latin typeface="Calibri" panose="020F0502020204030204" pitchFamily="34" charset="0"/>
-                </a:defRPr>
-              </a:lvl2pPr>
-              <a:lvl3pPr marL="1143000" indent="-228600">
-                <a:defRPr>
-                  <a:solidFill>
-                    <a:schemeClr val="tx1"/>
-                  </a:solidFill>
-                  <a:latin typeface="Calibri" panose="020F0502020204030204" pitchFamily="34" charset="0"/>
-                </a:defRPr>
-              </a:lvl3pPr>
-              <a:lvl4pPr marL="1600200" indent="-228600">
-                <a:defRPr>
-                  <a:solidFill>
-                    <a:schemeClr val="tx1"/>
-                  </a:solidFill>
-                  <a:latin typeface="Calibri" panose="020F0502020204030204" pitchFamily="34" charset="0"/>
-                </a:defRPr>
-              </a:lvl4pPr>
-              <a:lvl5pPr marL="2057400" indent="-228600">
-                <a:defRPr>
-                  <a:solidFill>
-                    <a:schemeClr val="tx1"/>
-                  </a:solidFill>
-                  <a:latin typeface="Calibri" panose="020F0502020204030204" pitchFamily="34" charset="0"/>
-                </a:defRPr>
-              </a:lvl5pPr>
-              <a:lvl6pPr marL="2514600" indent="-228600" eaLnBrk="0" fontAlgn="base" hangingPunct="0">
-                <a:spcBef>
-                  <a:spcPct val="0"/>
-                </a:spcBef>
-                <a:spcAft>
-                  <a:spcPct val="0"/>
-                </a:spcAft>
-                <a:defRPr>
-                  <a:solidFill>
-                    <a:schemeClr val="tx1"/>
-                  </a:solidFill>
-                  <a:latin typeface="Calibri" panose="020F0502020204030204" pitchFamily="34" charset="0"/>
-                </a:defRPr>
-              </a:lvl6pPr>
-              <a:lvl7pPr marL="2971800" indent="-228600" eaLnBrk="0" fontAlgn="base" hangingPunct="0">
-                <a:spcBef>
-                  <a:spcPct val="0"/>
-                </a:spcBef>
-                <a:spcAft>
-                  <a:spcPct val="0"/>
-                </a:spcAft>
-                <a:defRPr>
-                  <a:solidFill>
-                    <a:schemeClr val="tx1"/>
-                  </a:solidFill>
-                  <a:latin typeface="Calibri" panose="020F0502020204030204" pitchFamily="34" charset="0"/>
-                </a:defRPr>
-              </a:lvl7pPr>
-              <a:lvl8pPr marL="3429000" indent="-228600" eaLnBrk="0" fontAlgn="base" hangingPunct="0">
-                <a:spcBef>
-                  <a:spcPct val="0"/>
-                </a:spcBef>
-                <a:spcAft>
-                  <a:spcPct val="0"/>
-                </a:spcAft>
-                <a:defRPr>
-                  <a:solidFill>
-                    <a:schemeClr val="tx1"/>
-                  </a:solidFill>
-                  <a:latin typeface="Calibri" panose="020F0502020204030204" pitchFamily="34" charset="0"/>
-                </a:defRPr>
-              </a:lvl8pPr>
-              <a:lvl9pPr marL="3886200" indent="-228600" eaLnBrk="0" fontAlgn="base" hangingPunct="0">
-                <a:spcBef>
-                  <a:spcPct val="0"/>
-                </a:spcBef>
-                <a:spcAft>
-                  <a:spcPct val="0"/>
-                </a:spcAft>
-                <a:defRPr>
-                  <a:solidFill>
-                    <a:schemeClr val="tx1"/>
-                  </a:solidFill>
-                  <a:latin typeface="Calibri" panose="020F0502020204030204" pitchFamily="34" charset="0"/>
-                </a:defRPr>
-              </a:lvl9pPr>
-            </a:lstStyle>
-            <a:p>
-              <a:pPr algn="ctr" eaLnBrk="1" hangingPunct="1"/>
-              <a:r>
-                <a:rPr lang="en-US" altLang="en-US" sz="1200" dirty="0">
-                  <a:latin typeface="Arial" panose="020B0604020202020204" pitchFamily="34" charset="0"/>
-                  <a:ea typeface="Amazon Ember" panose="020B0603020204020204" pitchFamily="34" charset="0"/>
-                  <a:cs typeface="Arial" panose="020B0604020202020204" pitchFamily="34" charset="0"/>
-                </a:rPr>
-                <a:t>Amazon Aurora</a:t>
-              </a:r>
-            </a:p>
-          </p:txBody>
-        </p:sp>
-        <p:pic>
-          <p:nvPicPr>
-            <p:cNvPr id="76" name="Graphic 7">
-              <a:extLst>
-                <a:ext uri="{FF2B5EF4-FFF2-40B4-BE49-F238E27FC236}">
-                  <a16:creationId xmlns:a16="http://schemas.microsoft.com/office/drawing/2014/main" id="{D85561A1-E045-4406-BCB3-8289C5EE6C07}"/>
-                </a:ext>
-              </a:extLst>
-            </p:cNvPr>
-            <p:cNvPicPr>
-              <a:picLocks noChangeAspect="1" noChangeArrowheads="1"/>
-            </p:cNvPicPr>
-            <p:nvPr/>
-          </p:nvPicPr>
-          <p:blipFill>
-            <a:blip r:embed="rId19">
-              <a:extLst>
-                <a:ext uri="{28A0092B-C50C-407E-A947-70E740481C1C}">
-                  <a14:useLocalDpi xmlns:a14="http://schemas.microsoft.com/office/drawing/2010/main" val="0"/>
-                </a:ext>
-              </a:extLst>
-            </a:blip>
-            <a:srcRect/>
-            <a:stretch>
-              <a:fillRect/>
-            </a:stretch>
-          </p:blipFill>
-          <p:spPr bwMode="auto">
-            <a:xfrm>
-              <a:off x="1257100" y="4740613"/>
-              <a:ext cx="762000" cy="762000"/>
-            </a:xfrm>
-            <a:prstGeom prst="rect">
-              <a:avLst/>
-            </a:prstGeom>
-            <a:noFill/>
-            <a:ln>
-              <a:noFill/>
-            </a:ln>
-            <a:extLst>
-              <a:ext uri="{909E8E84-426E-40DD-AFC4-6F175D3DCCD1}">
-                <a14:hiddenFill xmlns:a14="http://schemas.microsoft.com/office/drawing/2010/main">
-                  <a:solidFill>
-                    <a:srgbClr val="FFFFFF"/>
-                  </a:solidFill>
-                </a14:hiddenFill>
-              </a:ext>
-              <a:ext uri="{91240B29-F687-4F45-9708-019B960494DF}">
-                <a14:hiddenLine xmlns:a14="http://schemas.microsoft.com/office/drawing/2010/main" w="9525">
-                  <a:solidFill>
-                    <a:srgbClr val="000000"/>
-                  </a:solidFill>
-                  <a:miter lim="800000"/>
-                  <a:headEnd/>
-                  <a:tailEnd/>
-                </a14:hiddenLine>
-              </a:ext>
-            </a:extLst>
-          </p:spPr>
-        </p:pic>
-        <p:pic>
-          <p:nvPicPr>
-            <p:cNvPr id="77" name="Graphic 6">
-              <a:extLst>
-                <a:ext uri="{FF2B5EF4-FFF2-40B4-BE49-F238E27FC236}">
-                  <a16:creationId xmlns:a16="http://schemas.microsoft.com/office/drawing/2014/main" id="{0A0684D2-231F-4757-A538-1FA9AEC55E23}"/>
-                </a:ext>
-              </a:extLst>
-            </p:cNvPr>
-            <p:cNvPicPr>
-              <a:picLocks noChangeAspect="1" noChangeArrowheads="1"/>
-            </p:cNvPicPr>
-            <p:nvPr/>
-          </p:nvPicPr>
-          <p:blipFill>
-            <a:blip r:embed="rId20">
-              <a:extLst>
-                <a:ext uri="{28A0092B-C50C-407E-A947-70E740481C1C}">
-                  <a14:useLocalDpi xmlns:a14="http://schemas.microsoft.com/office/drawing/2010/main" val="0"/>
-                </a:ext>
-              </a:extLst>
-            </a:blip>
-            <a:srcRect/>
-            <a:stretch>
-              <a:fillRect/>
-            </a:stretch>
-          </p:blipFill>
-          <p:spPr bwMode="auto">
-            <a:xfrm>
-              <a:off x="2498887" y="4742363"/>
-              <a:ext cx="762000" cy="762000"/>
-            </a:xfrm>
-            <a:prstGeom prst="rect">
-              <a:avLst/>
-            </a:prstGeom>
-            <a:noFill/>
-            <a:ln>
-              <a:noFill/>
-            </a:ln>
-            <a:extLst>
-              <a:ext uri="{909E8E84-426E-40DD-AFC4-6F175D3DCCD1}">
-                <a14:hiddenFill xmlns:a14="http://schemas.microsoft.com/office/drawing/2010/main">
-                  <a:solidFill>
-                    <a:srgbClr val="FFFFFF"/>
-                  </a:solidFill>
-                </a14:hiddenFill>
-              </a:ext>
-              <a:ext uri="{91240B29-F687-4F45-9708-019B960494DF}">
-                <a14:hiddenLine xmlns:a14="http://schemas.microsoft.com/office/drawing/2010/main" w="9525">
-                  <a:solidFill>
-                    <a:srgbClr val="000000"/>
-                  </a:solidFill>
-                  <a:miter lim="800000"/>
-                  <a:headEnd/>
-                  <a:tailEnd/>
-                </a14:hiddenLine>
-              </a:ext>
-            </a:extLst>
-          </p:spPr>
-        </p:pic>
-        <p:sp>
-          <p:nvSpPr>
-            <p:cNvPr id="78" name="TextBox 9">
-              <a:extLst>
-                <a:ext uri="{FF2B5EF4-FFF2-40B4-BE49-F238E27FC236}">
-                  <a16:creationId xmlns:a16="http://schemas.microsoft.com/office/drawing/2014/main" id="{0AF4775B-934E-4CAC-A4FF-9062FA00A2A3}"/>
-                </a:ext>
-              </a:extLst>
-            </p:cNvPr>
-            <p:cNvSpPr txBox="1">
-              <a:spLocks noChangeArrowheads="1"/>
-            </p:cNvSpPr>
-            <p:nvPr/>
-          </p:nvSpPr>
-          <p:spPr bwMode="auto">
-            <a:xfrm>
-              <a:off x="1785419" y="5543918"/>
-              <a:ext cx="2243137" cy="276999"/>
-            </a:xfrm>
-            <a:prstGeom prst="rect">
-              <a:avLst/>
-            </a:prstGeom>
-            <a:noFill/>
-            <a:ln>
-              <a:noFill/>
-            </a:ln>
-            <a:extLst>
-              <a:ext uri="{909E8E84-426E-40DD-AFC4-6F175D3DCCD1}">
-                <a14:hiddenFill xmlns:a14="http://schemas.microsoft.com/office/drawing/2010/main">
-                  <a:solidFill>
-                    <a:srgbClr val="FFFFFF"/>
-                  </a:solidFill>
-                </a14:hiddenFill>
-              </a:ext>
-              <a:ext uri="{91240B29-F687-4F45-9708-019B960494DF}">
-                <a14:hiddenLine xmlns:a14="http://schemas.microsoft.com/office/drawing/2010/main" w="9525">
-                  <a:solidFill>
-                    <a:srgbClr val="000000"/>
-                  </a:solidFill>
-                  <a:miter lim="800000"/>
-                  <a:headEnd/>
-                  <a:tailEnd/>
-                </a14:hiddenLine>
-              </a:ext>
-            </a:extLst>
-          </p:spPr>
-          <p:txBody>
-            <a:bodyPr>
-              <a:spAutoFit/>
-            </a:bodyPr>
-            <a:lstStyle>
-              <a:lvl1pPr>
-                <a:defRPr>
-                  <a:solidFill>
-                    <a:schemeClr val="tx1"/>
-                  </a:solidFill>
-                  <a:latin typeface="Calibri" panose="020F0502020204030204" pitchFamily="34" charset="0"/>
-                </a:defRPr>
-              </a:lvl1pPr>
-              <a:lvl2pPr marL="742950" indent="-285750">
-                <a:defRPr>
-                  <a:solidFill>
-                    <a:schemeClr val="tx1"/>
-                  </a:solidFill>
-                  <a:latin typeface="Calibri" panose="020F0502020204030204" pitchFamily="34" charset="0"/>
-                </a:defRPr>
-              </a:lvl2pPr>
-              <a:lvl3pPr marL="1143000" indent="-228600">
-                <a:defRPr>
-                  <a:solidFill>
-                    <a:schemeClr val="tx1"/>
-                  </a:solidFill>
-                  <a:latin typeface="Calibri" panose="020F0502020204030204" pitchFamily="34" charset="0"/>
-                </a:defRPr>
-              </a:lvl3pPr>
-              <a:lvl4pPr marL="1600200" indent="-228600">
-                <a:defRPr>
-                  <a:solidFill>
-                    <a:schemeClr val="tx1"/>
-                  </a:solidFill>
-                  <a:latin typeface="Calibri" panose="020F0502020204030204" pitchFamily="34" charset="0"/>
-                </a:defRPr>
-              </a:lvl4pPr>
-              <a:lvl5pPr marL="2057400" indent="-228600">
-                <a:defRPr>
-                  <a:solidFill>
-                    <a:schemeClr val="tx1"/>
-                  </a:solidFill>
-                  <a:latin typeface="Calibri" panose="020F0502020204030204" pitchFamily="34" charset="0"/>
-                </a:defRPr>
-              </a:lvl5pPr>
-              <a:lvl6pPr marL="2514600" indent="-228600" eaLnBrk="0" fontAlgn="base" hangingPunct="0">
-                <a:spcBef>
-                  <a:spcPct val="0"/>
-                </a:spcBef>
-                <a:spcAft>
-                  <a:spcPct val="0"/>
-                </a:spcAft>
-                <a:defRPr>
-                  <a:solidFill>
-                    <a:schemeClr val="tx1"/>
-                  </a:solidFill>
-                  <a:latin typeface="Calibri" panose="020F0502020204030204" pitchFamily="34" charset="0"/>
-                </a:defRPr>
-              </a:lvl6pPr>
-              <a:lvl7pPr marL="2971800" indent="-228600" eaLnBrk="0" fontAlgn="base" hangingPunct="0">
-                <a:spcBef>
-                  <a:spcPct val="0"/>
-                </a:spcBef>
-                <a:spcAft>
-                  <a:spcPct val="0"/>
-                </a:spcAft>
-                <a:defRPr>
-                  <a:solidFill>
-                    <a:schemeClr val="tx1"/>
-                  </a:solidFill>
-                  <a:latin typeface="Calibri" panose="020F0502020204030204" pitchFamily="34" charset="0"/>
-                </a:defRPr>
-              </a:lvl7pPr>
-              <a:lvl8pPr marL="3429000" indent="-228600" eaLnBrk="0" fontAlgn="base" hangingPunct="0">
-                <a:spcBef>
-                  <a:spcPct val="0"/>
-                </a:spcBef>
-                <a:spcAft>
-                  <a:spcPct val="0"/>
-                </a:spcAft>
-                <a:defRPr>
-                  <a:solidFill>
-                    <a:schemeClr val="tx1"/>
-                  </a:solidFill>
-                  <a:latin typeface="Calibri" panose="020F0502020204030204" pitchFamily="34" charset="0"/>
-                </a:defRPr>
-              </a:lvl8pPr>
-              <a:lvl9pPr marL="3886200" indent="-228600" eaLnBrk="0" fontAlgn="base" hangingPunct="0">
-                <a:spcBef>
-                  <a:spcPct val="0"/>
-                </a:spcBef>
-                <a:spcAft>
-                  <a:spcPct val="0"/>
-                </a:spcAft>
-                <a:defRPr>
-                  <a:solidFill>
-                    <a:schemeClr val="tx1"/>
-                  </a:solidFill>
-                  <a:latin typeface="Calibri" panose="020F0502020204030204" pitchFamily="34" charset="0"/>
-                </a:defRPr>
-              </a:lvl9pPr>
-            </a:lstStyle>
-            <a:p>
-              <a:pPr algn="ctr" eaLnBrk="1" hangingPunct="1"/>
-              <a:r>
-                <a:rPr lang="en-US" altLang="en-US" sz="1200" dirty="0">
-                  <a:latin typeface="Arial" panose="020B0604020202020204" pitchFamily="34" charset="0"/>
-                  <a:ea typeface="Amazon Ember" panose="020B0603020204020204" pitchFamily="34" charset="0"/>
-                  <a:cs typeface="Arial" panose="020B0604020202020204" pitchFamily="34" charset="0"/>
-                </a:rPr>
-                <a:t>Amazon RDS</a:t>
-              </a:r>
-              <a:endParaRPr lang="en-US" altLang="en-US" sz="1100" dirty="0">
+          </a:ln>
+          <a:extLst>
+            <a:ext uri="{909E8E84-426E-40DD-AFC4-6F175D3DCCD1}">
+              <a14:hiddenFill xmlns:a14="http://schemas.microsoft.com/office/drawing/2010/main">
+                <a:solidFill>
+                  <a:srgbClr val="FFFFFF"/>
+                </a:solidFill>
+              </a14:hiddenFill>
+            </a:ext>
+            <a:ext uri="{91240B29-F687-4F45-9708-019B960494DF}">
+              <a14:hiddenLine xmlns:a14="http://schemas.microsoft.com/office/drawing/2010/main" w="9525">
+                <a:solidFill>
+                  <a:srgbClr val="000000"/>
+                </a:solidFill>
+                <a:miter lim="800000"/>
+                <a:headEnd/>
+                <a:tailEnd/>
+              </a14:hiddenLine>
+            </a:ext>
+          </a:extLst>
+        </p:spPr>
+        <p:txBody>
+          <a:bodyPr>
+            <a:spAutoFit/>
+          </a:bodyPr>
+          <a:lstStyle>
+            <a:lvl1pPr>
+              <a:defRPr>
+                <a:solidFill>
+                  <a:schemeClr val="tx1"/>
+                </a:solidFill>
+                <a:latin typeface="Calibri" panose="020F0502020204030204" pitchFamily="34" charset="0"/>
+              </a:defRPr>
+            </a:lvl1pPr>
+            <a:lvl2pPr marL="742950" indent="-285750">
+              <a:defRPr>
+                <a:solidFill>
+                  <a:schemeClr val="tx1"/>
+                </a:solidFill>
+                <a:latin typeface="Calibri" panose="020F0502020204030204" pitchFamily="34" charset="0"/>
+              </a:defRPr>
+            </a:lvl2pPr>
+            <a:lvl3pPr marL="1143000" indent="-228600">
+              <a:defRPr>
+                <a:solidFill>
+                  <a:schemeClr val="tx1"/>
+                </a:solidFill>
+                <a:latin typeface="Calibri" panose="020F0502020204030204" pitchFamily="34" charset="0"/>
+              </a:defRPr>
+            </a:lvl3pPr>
+            <a:lvl4pPr marL="1600200" indent="-228600">
+              <a:defRPr>
+                <a:solidFill>
+                  <a:schemeClr val="tx1"/>
+                </a:solidFill>
+                <a:latin typeface="Calibri" panose="020F0502020204030204" pitchFamily="34" charset="0"/>
+              </a:defRPr>
+            </a:lvl4pPr>
+            <a:lvl5pPr marL="2057400" indent="-228600">
+              <a:defRPr>
+                <a:solidFill>
+                  <a:schemeClr val="tx1"/>
+                </a:solidFill>
+                <a:latin typeface="Calibri" panose="020F0502020204030204" pitchFamily="34" charset="0"/>
+              </a:defRPr>
+            </a:lvl5pPr>
+            <a:lvl6pPr marL="2514600" indent="-228600" eaLnBrk="0" fontAlgn="base" hangingPunct="0">
+              <a:spcBef>
+                <a:spcPct val="0"/>
+              </a:spcBef>
+              <a:spcAft>
+                <a:spcPct val="0"/>
+              </a:spcAft>
+              <a:defRPr>
+                <a:solidFill>
+                  <a:schemeClr val="tx1"/>
+                </a:solidFill>
+                <a:latin typeface="Calibri" panose="020F0502020204030204" pitchFamily="34" charset="0"/>
+              </a:defRPr>
+            </a:lvl6pPr>
+            <a:lvl7pPr marL="2971800" indent="-228600" eaLnBrk="0" fontAlgn="base" hangingPunct="0">
+              <a:spcBef>
+                <a:spcPct val="0"/>
+              </a:spcBef>
+              <a:spcAft>
+                <a:spcPct val="0"/>
+              </a:spcAft>
+              <a:defRPr>
+                <a:solidFill>
+                  <a:schemeClr val="tx1"/>
+                </a:solidFill>
+                <a:latin typeface="Calibri" panose="020F0502020204030204" pitchFamily="34" charset="0"/>
+              </a:defRPr>
+            </a:lvl7pPr>
+            <a:lvl8pPr marL="3429000" indent="-228600" eaLnBrk="0" fontAlgn="base" hangingPunct="0">
+              <a:spcBef>
+                <a:spcPct val="0"/>
+              </a:spcBef>
+              <a:spcAft>
+                <a:spcPct val="0"/>
+              </a:spcAft>
+              <a:defRPr>
+                <a:solidFill>
+                  <a:schemeClr val="tx1"/>
+                </a:solidFill>
+                <a:latin typeface="Calibri" panose="020F0502020204030204" pitchFamily="34" charset="0"/>
+              </a:defRPr>
+            </a:lvl8pPr>
+            <a:lvl9pPr marL="3886200" indent="-228600" eaLnBrk="0" fontAlgn="base" hangingPunct="0">
+              <a:spcBef>
+                <a:spcPct val="0"/>
+              </a:spcBef>
+              <a:spcAft>
+                <a:spcPct val="0"/>
+              </a:spcAft>
+              <a:defRPr>
+                <a:solidFill>
+                  <a:schemeClr val="tx1"/>
+                </a:solidFill>
+                <a:latin typeface="Calibri" panose="020F0502020204030204" pitchFamily="34" charset="0"/>
+              </a:defRPr>
+            </a:lvl9pPr>
+          </a:lstStyle>
+          <a:p>
+            <a:pPr algn="ctr" eaLnBrk="1" hangingPunct="1"/>
+            <a:r>
+              <a:rPr lang="en-US" altLang="en-US" sz="1200" dirty="0">
                 <a:latin typeface="Arial" panose="020B0604020202020204" pitchFamily="34" charset="0"/>
                 <a:ea typeface="Amazon Ember" panose="020B0603020204020204" pitchFamily="34" charset="0"/>
                 <a:cs typeface="Arial" panose="020B0604020202020204" pitchFamily="34" charset="0"/>
-              </a:endParaRPr>
-            </a:p>
-          </p:txBody>
-        </p:sp>
-      </p:grpSp>
+              </a:rPr>
+              <a:t>AWS Fargate</a:t>
+            </a:r>
+          </a:p>
+        </p:txBody>
+      </p:sp>
+      <p:pic>
+        <p:nvPicPr>
+          <p:cNvPr id="70" name="Graphic 14">
+            <a:extLst>
+              <a:ext uri="{FF2B5EF4-FFF2-40B4-BE49-F238E27FC236}">
+                <a16:creationId xmlns:a16="http://schemas.microsoft.com/office/drawing/2014/main" id="{BC1A6B02-DA9D-4005-B064-D6A92C1C46FE}"/>
+              </a:ext>
+            </a:extLst>
+          </p:cNvPr>
+          <p:cNvPicPr>
+            <a:picLocks noChangeAspect="1" noChangeArrowheads="1"/>
+          </p:cNvPicPr>
+          <p:nvPr/>
+        </p:nvPicPr>
+        <p:blipFill>
+          <a:blip r:embed="rId17">
+            <a:extLst>
+              <a:ext uri="{28A0092B-C50C-407E-A947-70E740481C1C}">
+                <a14:useLocalDpi xmlns:a14="http://schemas.microsoft.com/office/drawing/2010/main" val="0"/>
+              </a:ext>
+            </a:extLst>
+          </a:blip>
+          <a:srcRect/>
+          <a:stretch>
+            <a:fillRect/>
+          </a:stretch>
+        </p:blipFill>
+        <p:spPr bwMode="auto">
+          <a:xfrm>
+            <a:off x="7360287" y="2987071"/>
+            <a:ext cx="762000" cy="762000"/>
+          </a:xfrm>
+          <a:prstGeom prst="rect">
+            <a:avLst/>
+          </a:prstGeom>
+          <a:noFill/>
+          <a:ln>
+            <a:noFill/>
+          </a:ln>
+          <a:extLst>
+            <a:ext uri="{909E8E84-426E-40DD-AFC4-6F175D3DCCD1}">
+              <a14:hiddenFill xmlns:a14="http://schemas.microsoft.com/office/drawing/2010/main">
+                <a:solidFill>
+                  <a:srgbClr val="FFFFFF"/>
+                </a:solidFill>
+              </a14:hiddenFill>
+            </a:ext>
+            <a:ext uri="{91240B29-F687-4F45-9708-019B960494DF}">
+              <a14:hiddenLine xmlns:a14="http://schemas.microsoft.com/office/drawing/2010/main" w="9525">
+                <a:solidFill>
+                  <a:srgbClr val="000000"/>
+                </a:solidFill>
+                <a:miter lim="800000"/>
+                <a:headEnd/>
+                <a:tailEnd/>
+              </a14:hiddenLine>
+            </a:ext>
+          </a:extLst>
+        </p:spPr>
+      </p:pic>
+      <p:pic>
+        <p:nvPicPr>
+          <p:cNvPr id="71" name="Graphic 18">
+            <a:extLst>
+              <a:ext uri="{FF2B5EF4-FFF2-40B4-BE49-F238E27FC236}">
+                <a16:creationId xmlns:a16="http://schemas.microsoft.com/office/drawing/2014/main" id="{E198A61E-ACC2-4165-A51E-D446621D7D31}"/>
+              </a:ext>
+            </a:extLst>
+          </p:cNvPr>
+          <p:cNvPicPr>
+            <a:picLocks noChangeAspect="1" noChangeArrowheads="1"/>
+          </p:cNvPicPr>
+          <p:nvPr/>
+        </p:nvPicPr>
+        <p:blipFill>
+          <a:blip r:embed="rId18">
+            <a:extLst>
+              <a:ext uri="{28A0092B-C50C-407E-A947-70E740481C1C}">
+                <a14:useLocalDpi xmlns:a14="http://schemas.microsoft.com/office/drawing/2010/main" val="0"/>
+              </a:ext>
+            </a:extLst>
+          </a:blip>
+          <a:srcRect/>
+          <a:stretch>
+            <a:fillRect/>
+          </a:stretch>
+        </p:blipFill>
+        <p:spPr bwMode="auto">
+          <a:xfrm>
+            <a:off x="6125917" y="2945502"/>
+            <a:ext cx="762000" cy="762000"/>
+          </a:xfrm>
+          <a:prstGeom prst="rect">
+            <a:avLst/>
+          </a:prstGeom>
+          <a:noFill/>
+          <a:ln>
+            <a:noFill/>
+          </a:ln>
+          <a:extLst>
+            <a:ext uri="{909E8E84-426E-40DD-AFC4-6F175D3DCCD1}">
+              <a14:hiddenFill xmlns:a14="http://schemas.microsoft.com/office/drawing/2010/main">
+                <a:solidFill>
+                  <a:srgbClr val="FFFFFF"/>
+                </a:solidFill>
+              </a14:hiddenFill>
+            </a:ext>
+            <a:ext uri="{91240B29-F687-4F45-9708-019B960494DF}">
+              <a14:hiddenLine xmlns:a14="http://schemas.microsoft.com/office/drawing/2010/main" w="9525">
+                <a:solidFill>
+                  <a:srgbClr val="000000"/>
+                </a:solidFill>
+                <a:miter lim="800000"/>
+                <a:headEnd/>
+                <a:tailEnd/>
+              </a14:hiddenLine>
+            </a:ext>
+          </a:extLst>
+        </p:spPr>
+      </p:pic>
+      <p:sp>
+        <p:nvSpPr>
+          <p:cNvPr id="72" name="TextBox 12">
+            <a:extLst>
+              <a:ext uri="{FF2B5EF4-FFF2-40B4-BE49-F238E27FC236}">
+                <a16:creationId xmlns:a16="http://schemas.microsoft.com/office/drawing/2014/main" id="{C09473FA-55FD-48CB-B955-B7B83D684A91}"/>
+              </a:ext>
+            </a:extLst>
+          </p:cNvPr>
+          <p:cNvSpPr txBox="1">
+            <a:spLocks noChangeArrowheads="1"/>
+          </p:cNvSpPr>
+          <p:nvPr/>
+        </p:nvSpPr>
+        <p:spPr bwMode="auto">
+          <a:xfrm>
+            <a:off x="5326888" y="3777866"/>
+            <a:ext cx="2279650" cy="276999"/>
+          </a:xfrm>
+          <a:prstGeom prst="rect">
+            <a:avLst/>
+          </a:prstGeom>
+          <a:noFill/>
+          <a:ln>
+            <a:noFill/>
+          </a:ln>
+          <a:extLst>
+            <a:ext uri="{909E8E84-426E-40DD-AFC4-6F175D3DCCD1}">
+              <a14:hiddenFill xmlns:a14="http://schemas.microsoft.com/office/drawing/2010/main">
+                <a:solidFill>
+                  <a:srgbClr val="FFFFFF"/>
+                </a:solidFill>
+              </a14:hiddenFill>
+            </a:ext>
+            <a:ext uri="{91240B29-F687-4F45-9708-019B960494DF}">
+              <a14:hiddenLine xmlns:a14="http://schemas.microsoft.com/office/drawing/2010/main" w="9525">
+                <a:solidFill>
+                  <a:srgbClr val="000000"/>
+                </a:solidFill>
+                <a:miter lim="800000"/>
+                <a:headEnd/>
+                <a:tailEnd/>
+              </a14:hiddenLine>
+            </a:ext>
+          </a:extLst>
+        </p:spPr>
+        <p:txBody>
+          <a:bodyPr>
+            <a:spAutoFit/>
+          </a:bodyPr>
+          <a:lstStyle>
+            <a:lvl1pPr>
+              <a:defRPr>
+                <a:solidFill>
+                  <a:schemeClr val="tx1"/>
+                </a:solidFill>
+                <a:latin typeface="Calibri" panose="020F0502020204030204" pitchFamily="34" charset="0"/>
+              </a:defRPr>
+            </a:lvl1pPr>
+            <a:lvl2pPr marL="742950" indent="-285750">
+              <a:defRPr>
+                <a:solidFill>
+                  <a:schemeClr val="tx1"/>
+                </a:solidFill>
+                <a:latin typeface="Calibri" panose="020F0502020204030204" pitchFamily="34" charset="0"/>
+              </a:defRPr>
+            </a:lvl2pPr>
+            <a:lvl3pPr marL="1143000" indent="-228600">
+              <a:defRPr>
+                <a:solidFill>
+                  <a:schemeClr val="tx1"/>
+                </a:solidFill>
+                <a:latin typeface="Calibri" panose="020F0502020204030204" pitchFamily="34" charset="0"/>
+              </a:defRPr>
+            </a:lvl3pPr>
+            <a:lvl4pPr marL="1600200" indent="-228600">
+              <a:defRPr>
+                <a:solidFill>
+                  <a:schemeClr val="tx1"/>
+                </a:solidFill>
+                <a:latin typeface="Calibri" panose="020F0502020204030204" pitchFamily="34" charset="0"/>
+              </a:defRPr>
+            </a:lvl4pPr>
+            <a:lvl5pPr marL="2057400" indent="-228600">
+              <a:defRPr>
+                <a:solidFill>
+                  <a:schemeClr val="tx1"/>
+                </a:solidFill>
+                <a:latin typeface="Calibri" panose="020F0502020204030204" pitchFamily="34" charset="0"/>
+              </a:defRPr>
+            </a:lvl5pPr>
+            <a:lvl6pPr marL="2514600" indent="-228600" eaLnBrk="0" fontAlgn="base" hangingPunct="0">
+              <a:spcBef>
+                <a:spcPct val="0"/>
+              </a:spcBef>
+              <a:spcAft>
+                <a:spcPct val="0"/>
+              </a:spcAft>
+              <a:defRPr>
+                <a:solidFill>
+                  <a:schemeClr val="tx1"/>
+                </a:solidFill>
+                <a:latin typeface="Calibri" panose="020F0502020204030204" pitchFamily="34" charset="0"/>
+              </a:defRPr>
+            </a:lvl6pPr>
+            <a:lvl7pPr marL="2971800" indent="-228600" eaLnBrk="0" fontAlgn="base" hangingPunct="0">
+              <a:spcBef>
+                <a:spcPct val="0"/>
+              </a:spcBef>
+              <a:spcAft>
+                <a:spcPct val="0"/>
+              </a:spcAft>
+              <a:defRPr>
+                <a:solidFill>
+                  <a:schemeClr val="tx1"/>
+                </a:solidFill>
+                <a:latin typeface="Calibri" panose="020F0502020204030204" pitchFamily="34" charset="0"/>
+              </a:defRPr>
+            </a:lvl7pPr>
+            <a:lvl8pPr marL="3429000" indent="-228600" eaLnBrk="0" fontAlgn="base" hangingPunct="0">
+              <a:spcBef>
+                <a:spcPct val="0"/>
+              </a:spcBef>
+              <a:spcAft>
+                <a:spcPct val="0"/>
+              </a:spcAft>
+              <a:defRPr>
+                <a:solidFill>
+                  <a:schemeClr val="tx1"/>
+                </a:solidFill>
+                <a:latin typeface="Calibri" panose="020F0502020204030204" pitchFamily="34" charset="0"/>
+              </a:defRPr>
+            </a:lvl8pPr>
+            <a:lvl9pPr marL="3886200" indent="-228600" eaLnBrk="0" fontAlgn="base" hangingPunct="0">
+              <a:spcBef>
+                <a:spcPct val="0"/>
+              </a:spcBef>
+              <a:spcAft>
+                <a:spcPct val="0"/>
+              </a:spcAft>
+              <a:defRPr>
+                <a:solidFill>
+                  <a:schemeClr val="tx1"/>
+                </a:solidFill>
+                <a:latin typeface="Calibri" panose="020F0502020204030204" pitchFamily="34" charset="0"/>
+              </a:defRPr>
+            </a:lvl9pPr>
+          </a:lstStyle>
+          <a:p>
+            <a:pPr algn="ctr" eaLnBrk="1" hangingPunct="1"/>
+            <a:r>
+              <a:rPr lang="en-US" altLang="en-US" sz="1200" dirty="0">
+                <a:latin typeface="Arial" panose="020B0604020202020204" pitchFamily="34" charset="0"/>
+                <a:ea typeface="Amazon Ember" panose="020B0603020204020204" pitchFamily="34" charset="0"/>
+                <a:cs typeface="Arial" panose="020B0604020202020204" pitchFamily="34" charset="0"/>
+              </a:rPr>
+              <a:t>Amazon ECS</a:t>
+            </a:r>
+          </a:p>
+        </p:txBody>
+      </p:sp>
+      <p:sp>
+        <p:nvSpPr>
+          <p:cNvPr id="73" name="Rectangle 72">
+            <a:extLst>
+              <a:ext uri="{FF2B5EF4-FFF2-40B4-BE49-F238E27FC236}">
+                <a16:creationId xmlns:a16="http://schemas.microsoft.com/office/drawing/2014/main" id="{CBD0DA82-3600-4819-A76F-37AFBF528683}"/>
+              </a:ext>
+            </a:extLst>
+          </p:cNvPr>
+          <p:cNvSpPr/>
+          <p:nvPr/>
+        </p:nvSpPr>
+        <p:spPr>
+          <a:xfrm>
+            <a:off x="5630403" y="4258531"/>
+            <a:ext cx="2940279" cy="1667171"/>
+          </a:xfrm>
+          <a:prstGeom prst="rect">
+            <a:avLst/>
+          </a:prstGeom>
+          <a:solidFill>
+            <a:srgbClr val="007CBC">
+              <a:alpha val="9804"/>
+            </a:srgbClr>
+          </a:solidFill>
+          <a:ln w="12700">
+            <a:noFill/>
+            <a:prstDash val="dash"/>
+          </a:ln>
+        </p:spPr>
+        <p:style>
+          <a:lnRef idx="2">
+            <a:schemeClr val="accent1">
+              <a:shade val="50000"/>
+            </a:schemeClr>
+          </a:lnRef>
+          <a:fillRef idx="1">
+            <a:schemeClr val="accent1"/>
+          </a:fillRef>
+          <a:effectRef idx="0">
+            <a:schemeClr val="accent1"/>
+          </a:effectRef>
+          <a:fontRef idx="minor">
+            <a:schemeClr val="lt1"/>
+          </a:fontRef>
+        </p:style>
+        <p:txBody>
+          <a:bodyPr lIns="502920"/>
+          <a:lstStyle/>
+          <a:p>
+            <a:pPr eaLnBrk="1" fontAlgn="auto" hangingPunct="1">
+              <a:spcBef>
+                <a:spcPts val="0"/>
+              </a:spcBef>
+              <a:spcAft>
+                <a:spcPts val="0"/>
+              </a:spcAft>
+              <a:defRPr/>
+            </a:pPr>
+            <a:r>
+              <a:rPr lang="en-US" sz="1200" dirty="0">
+                <a:solidFill>
+                  <a:srgbClr val="5B9CD5"/>
+                </a:solidFill>
+                <a:latin typeface="Arial" panose="020B0604020202020204" pitchFamily="34" charset="0"/>
+                <a:cs typeface="Arial" panose="020B0604020202020204" pitchFamily="34" charset="0"/>
+              </a:rPr>
+              <a:t>Private subnet</a:t>
+            </a:r>
+          </a:p>
+        </p:txBody>
+      </p:sp>
+      <p:pic>
+        <p:nvPicPr>
+          <p:cNvPr id="74" name="Graphic 73">
+            <a:extLst>
+              <a:ext uri="{FF2B5EF4-FFF2-40B4-BE49-F238E27FC236}">
+                <a16:creationId xmlns:a16="http://schemas.microsoft.com/office/drawing/2014/main" id="{9D7A38F8-20CF-4236-809D-5CC47FF6359A}"/>
+              </a:ext>
+            </a:extLst>
+          </p:cNvPr>
+          <p:cNvPicPr>
+            <a:picLocks noChangeAspect="1"/>
+          </p:cNvPicPr>
+          <p:nvPr/>
+        </p:nvPicPr>
+        <p:blipFill>
+          <a:blip r:embed="rId15">
+            <a:extLst>
+              <a:ext uri="{96DAC541-7B7A-43D3-8B79-37D633B846F1}">
+                <asvg:svgBlip xmlns:asvg="http://schemas.microsoft.com/office/drawing/2016/SVG/main" r:embed="rId16"/>
+              </a:ext>
+            </a:extLst>
+          </a:blip>
+          <a:stretch>
+            <a:fillRect/>
+          </a:stretch>
+        </p:blipFill>
+        <p:spPr>
+          <a:xfrm>
+            <a:off x="5630403" y="4258530"/>
+            <a:ext cx="381000" cy="381000"/>
+          </a:xfrm>
+          <a:prstGeom prst="rect">
+            <a:avLst/>
+          </a:prstGeom>
+        </p:spPr>
+      </p:pic>
+      <p:sp>
+        <p:nvSpPr>
+          <p:cNvPr id="75" name="TextBox 9">
+            <a:extLst>
+              <a:ext uri="{FF2B5EF4-FFF2-40B4-BE49-F238E27FC236}">
+                <a16:creationId xmlns:a16="http://schemas.microsoft.com/office/drawing/2014/main" id="{A5B7D680-C43D-4FB0-94EC-693B957953D8}"/>
+              </a:ext>
+            </a:extLst>
+          </p:cNvPr>
+          <p:cNvSpPr txBox="1">
+            <a:spLocks noChangeArrowheads="1"/>
+          </p:cNvSpPr>
+          <p:nvPr/>
+        </p:nvSpPr>
+        <p:spPr bwMode="auto">
+          <a:xfrm>
+            <a:off x="5302103" y="5552561"/>
+            <a:ext cx="2243137" cy="276999"/>
+          </a:xfrm>
+          <a:prstGeom prst="rect">
+            <a:avLst/>
+          </a:prstGeom>
+          <a:noFill/>
+          <a:ln>
+            <a:noFill/>
+          </a:ln>
+          <a:extLst>
+            <a:ext uri="{909E8E84-426E-40DD-AFC4-6F175D3DCCD1}">
+              <a14:hiddenFill xmlns:a14="http://schemas.microsoft.com/office/drawing/2010/main">
+                <a:solidFill>
+                  <a:srgbClr val="FFFFFF"/>
+                </a:solidFill>
+              </a14:hiddenFill>
+            </a:ext>
+            <a:ext uri="{91240B29-F687-4F45-9708-019B960494DF}">
+              <a14:hiddenLine xmlns:a14="http://schemas.microsoft.com/office/drawing/2010/main" w="9525">
+                <a:solidFill>
+                  <a:srgbClr val="000000"/>
+                </a:solidFill>
+                <a:miter lim="800000"/>
+                <a:headEnd/>
+                <a:tailEnd/>
+              </a14:hiddenLine>
+            </a:ext>
+          </a:extLst>
+        </p:spPr>
+        <p:txBody>
+          <a:bodyPr>
+            <a:spAutoFit/>
+          </a:bodyPr>
+          <a:lstStyle>
+            <a:lvl1pPr>
+              <a:defRPr>
+                <a:solidFill>
+                  <a:schemeClr val="tx1"/>
+                </a:solidFill>
+                <a:latin typeface="Calibri" panose="020F0502020204030204" pitchFamily="34" charset="0"/>
+              </a:defRPr>
+            </a:lvl1pPr>
+            <a:lvl2pPr marL="742950" indent="-285750">
+              <a:defRPr>
+                <a:solidFill>
+                  <a:schemeClr val="tx1"/>
+                </a:solidFill>
+                <a:latin typeface="Calibri" panose="020F0502020204030204" pitchFamily="34" charset="0"/>
+              </a:defRPr>
+            </a:lvl2pPr>
+            <a:lvl3pPr marL="1143000" indent="-228600">
+              <a:defRPr>
+                <a:solidFill>
+                  <a:schemeClr val="tx1"/>
+                </a:solidFill>
+                <a:latin typeface="Calibri" panose="020F0502020204030204" pitchFamily="34" charset="0"/>
+              </a:defRPr>
+            </a:lvl3pPr>
+            <a:lvl4pPr marL="1600200" indent="-228600">
+              <a:defRPr>
+                <a:solidFill>
+                  <a:schemeClr val="tx1"/>
+                </a:solidFill>
+                <a:latin typeface="Calibri" panose="020F0502020204030204" pitchFamily="34" charset="0"/>
+              </a:defRPr>
+            </a:lvl4pPr>
+            <a:lvl5pPr marL="2057400" indent="-228600">
+              <a:defRPr>
+                <a:solidFill>
+                  <a:schemeClr val="tx1"/>
+                </a:solidFill>
+                <a:latin typeface="Calibri" panose="020F0502020204030204" pitchFamily="34" charset="0"/>
+              </a:defRPr>
+            </a:lvl5pPr>
+            <a:lvl6pPr marL="2514600" indent="-228600" eaLnBrk="0" fontAlgn="base" hangingPunct="0">
+              <a:spcBef>
+                <a:spcPct val="0"/>
+              </a:spcBef>
+              <a:spcAft>
+                <a:spcPct val="0"/>
+              </a:spcAft>
+              <a:defRPr>
+                <a:solidFill>
+                  <a:schemeClr val="tx1"/>
+                </a:solidFill>
+                <a:latin typeface="Calibri" panose="020F0502020204030204" pitchFamily="34" charset="0"/>
+              </a:defRPr>
+            </a:lvl6pPr>
+            <a:lvl7pPr marL="2971800" indent="-228600" eaLnBrk="0" fontAlgn="base" hangingPunct="0">
+              <a:spcBef>
+                <a:spcPct val="0"/>
+              </a:spcBef>
+              <a:spcAft>
+                <a:spcPct val="0"/>
+              </a:spcAft>
+              <a:defRPr>
+                <a:solidFill>
+                  <a:schemeClr val="tx1"/>
+                </a:solidFill>
+                <a:latin typeface="Calibri" panose="020F0502020204030204" pitchFamily="34" charset="0"/>
+              </a:defRPr>
+            </a:lvl7pPr>
+            <a:lvl8pPr marL="3429000" indent="-228600" eaLnBrk="0" fontAlgn="base" hangingPunct="0">
+              <a:spcBef>
+                <a:spcPct val="0"/>
+              </a:spcBef>
+              <a:spcAft>
+                <a:spcPct val="0"/>
+              </a:spcAft>
+              <a:defRPr>
+                <a:solidFill>
+                  <a:schemeClr val="tx1"/>
+                </a:solidFill>
+                <a:latin typeface="Calibri" panose="020F0502020204030204" pitchFamily="34" charset="0"/>
+              </a:defRPr>
+            </a:lvl8pPr>
+            <a:lvl9pPr marL="3886200" indent="-228600" eaLnBrk="0" fontAlgn="base" hangingPunct="0">
+              <a:spcBef>
+                <a:spcPct val="0"/>
+              </a:spcBef>
+              <a:spcAft>
+                <a:spcPct val="0"/>
+              </a:spcAft>
+              <a:defRPr>
+                <a:solidFill>
+                  <a:schemeClr val="tx1"/>
+                </a:solidFill>
+                <a:latin typeface="Calibri" panose="020F0502020204030204" pitchFamily="34" charset="0"/>
+              </a:defRPr>
+            </a:lvl9pPr>
+          </a:lstStyle>
+          <a:p>
+            <a:pPr algn="ctr" eaLnBrk="1" hangingPunct="1"/>
+            <a:r>
+              <a:rPr lang="en-US" altLang="en-US" sz="1200" dirty="0">
+                <a:latin typeface="Arial" panose="020B0604020202020204" pitchFamily="34" charset="0"/>
+                <a:ea typeface="Amazon Ember" panose="020B0603020204020204" pitchFamily="34" charset="0"/>
+                <a:cs typeface="Arial" panose="020B0604020202020204" pitchFamily="34" charset="0"/>
+              </a:rPr>
+              <a:t>Amazon Aurora</a:t>
+            </a:r>
+          </a:p>
+        </p:txBody>
+      </p:sp>
+      <p:pic>
+        <p:nvPicPr>
+          <p:cNvPr id="76" name="Graphic 7">
+            <a:extLst>
+              <a:ext uri="{FF2B5EF4-FFF2-40B4-BE49-F238E27FC236}">
+                <a16:creationId xmlns:a16="http://schemas.microsoft.com/office/drawing/2014/main" id="{D85561A1-E045-4406-BCB3-8289C5EE6C07}"/>
+              </a:ext>
+            </a:extLst>
+          </p:cNvPr>
+          <p:cNvPicPr>
+            <a:picLocks noChangeAspect="1" noChangeArrowheads="1"/>
+          </p:cNvPicPr>
+          <p:nvPr/>
+        </p:nvPicPr>
+        <p:blipFill>
+          <a:blip r:embed="rId19">
+            <a:extLst>
+              <a:ext uri="{28A0092B-C50C-407E-A947-70E740481C1C}">
+                <a14:useLocalDpi xmlns:a14="http://schemas.microsoft.com/office/drawing/2010/main" val="0"/>
+              </a:ext>
+            </a:extLst>
+          </a:blip>
+          <a:srcRect/>
+          <a:stretch>
+            <a:fillRect/>
+          </a:stretch>
+        </p:blipFill>
+        <p:spPr bwMode="auto">
+          <a:xfrm>
+            <a:off x="6093077" y="4740613"/>
+            <a:ext cx="762000" cy="762000"/>
+          </a:xfrm>
+          <a:prstGeom prst="rect">
+            <a:avLst/>
+          </a:prstGeom>
+          <a:noFill/>
+          <a:ln>
+            <a:noFill/>
+          </a:ln>
+          <a:extLst>
+            <a:ext uri="{909E8E84-426E-40DD-AFC4-6F175D3DCCD1}">
+              <a14:hiddenFill xmlns:a14="http://schemas.microsoft.com/office/drawing/2010/main">
+                <a:solidFill>
+                  <a:srgbClr val="FFFFFF"/>
+                </a:solidFill>
+              </a14:hiddenFill>
+            </a:ext>
+            <a:ext uri="{91240B29-F687-4F45-9708-019B960494DF}">
+              <a14:hiddenLine xmlns:a14="http://schemas.microsoft.com/office/drawing/2010/main" w="9525">
+                <a:solidFill>
+                  <a:srgbClr val="000000"/>
+                </a:solidFill>
+                <a:miter lim="800000"/>
+                <a:headEnd/>
+                <a:tailEnd/>
+              </a14:hiddenLine>
+            </a:ext>
+          </a:extLst>
+        </p:spPr>
+      </p:pic>
+      <p:pic>
+        <p:nvPicPr>
+          <p:cNvPr id="77" name="Graphic 6">
+            <a:extLst>
+              <a:ext uri="{FF2B5EF4-FFF2-40B4-BE49-F238E27FC236}">
+                <a16:creationId xmlns:a16="http://schemas.microsoft.com/office/drawing/2014/main" id="{0A0684D2-231F-4757-A538-1FA9AEC55E23}"/>
+              </a:ext>
+            </a:extLst>
+          </p:cNvPr>
+          <p:cNvPicPr>
+            <a:picLocks noChangeAspect="1" noChangeArrowheads="1"/>
+          </p:cNvPicPr>
+          <p:nvPr/>
+        </p:nvPicPr>
+        <p:blipFill>
+          <a:blip r:embed="rId20">
+            <a:extLst>
+              <a:ext uri="{28A0092B-C50C-407E-A947-70E740481C1C}">
+                <a14:useLocalDpi xmlns:a14="http://schemas.microsoft.com/office/drawing/2010/main" val="0"/>
+              </a:ext>
+            </a:extLst>
+          </a:blip>
+          <a:srcRect/>
+          <a:stretch>
+            <a:fillRect/>
+          </a:stretch>
+        </p:blipFill>
+        <p:spPr bwMode="auto">
+          <a:xfrm>
+            <a:off x="7334864" y="4742363"/>
+            <a:ext cx="762000" cy="762000"/>
+          </a:xfrm>
+          <a:prstGeom prst="rect">
+            <a:avLst/>
+          </a:prstGeom>
+          <a:noFill/>
+          <a:ln>
+            <a:noFill/>
+          </a:ln>
+          <a:extLst>
+            <a:ext uri="{909E8E84-426E-40DD-AFC4-6F175D3DCCD1}">
+              <a14:hiddenFill xmlns:a14="http://schemas.microsoft.com/office/drawing/2010/main">
+                <a:solidFill>
+                  <a:srgbClr val="FFFFFF"/>
+                </a:solidFill>
+              </a14:hiddenFill>
+            </a:ext>
+            <a:ext uri="{91240B29-F687-4F45-9708-019B960494DF}">
+              <a14:hiddenLine xmlns:a14="http://schemas.microsoft.com/office/drawing/2010/main" w="9525">
+                <a:solidFill>
+                  <a:srgbClr val="000000"/>
+                </a:solidFill>
+                <a:miter lim="800000"/>
+                <a:headEnd/>
+                <a:tailEnd/>
+              </a14:hiddenLine>
+            </a:ext>
+          </a:extLst>
+        </p:spPr>
+      </p:pic>
+      <p:sp>
+        <p:nvSpPr>
+          <p:cNvPr id="78" name="TextBox 9">
+            <a:extLst>
+              <a:ext uri="{FF2B5EF4-FFF2-40B4-BE49-F238E27FC236}">
+                <a16:creationId xmlns:a16="http://schemas.microsoft.com/office/drawing/2014/main" id="{0AF4775B-934E-4CAC-A4FF-9062FA00A2A3}"/>
+              </a:ext>
+            </a:extLst>
+          </p:cNvPr>
+          <p:cNvSpPr txBox="1">
+            <a:spLocks noChangeArrowheads="1"/>
+          </p:cNvSpPr>
+          <p:nvPr/>
+        </p:nvSpPr>
+        <p:spPr bwMode="auto">
+          <a:xfrm>
+            <a:off x="6621396" y="5543918"/>
+            <a:ext cx="2243137" cy="276999"/>
+          </a:xfrm>
+          <a:prstGeom prst="rect">
+            <a:avLst/>
+          </a:prstGeom>
+          <a:noFill/>
+          <a:ln>
+            <a:noFill/>
+          </a:ln>
+          <a:extLst>
+            <a:ext uri="{909E8E84-426E-40DD-AFC4-6F175D3DCCD1}">
+              <a14:hiddenFill xmlns:a14="http://schemas.microsoft.com/office/drawing/2010/main">
+                <a:solidFill>
+                  <a:srgbClr val="FFFFFF"/>
+                </a:solidFill>
+              </a14:hiddenFill>
+            </a:ext>
+            <a:ext uri="{91240B29-F687-4F45-9708-019B960494DF}">
+              <a14:hiddenLine xmlns:a14="http://schemas.microsoft.com/office/drawing/2010/main" w="9525">
+                <a:solidFill>
+                  <a:srgbClr val="000000"/>
+                </a:solidFill>
+                <a:miter lim="800000"/>
+                <a:headEnd/>
+                <a:tailEnd/>
+              </a14:hiddenLine>
+            </a:ext>
+          </a:extLst>
+        </p:spPr>
+        <p:txBody>
+          <a:bodyPr>
+            <a:spAutoFit/>
+          </a:bodyPr>
+          <a:lstStyle>
+            <a:lvl1pPr>
+              <a:defRPr>
+                <a:solidFill>
+                  <a:schemeClr val="tx1"/>
+                </a:solidFill>
+                <a:latin typeface="Calibri" panose="020F0502020204030204" pitchFamily="34" charset="0"/>
+              </a:defRPr>
+            </a:lvl1pPr>
+            <a:lvl2pPr marL="742950" indent="-285750">
+              <a:defRPr>
+                <a:solidFill>
+                  <a:schemeClr val="tx1"/>
+                </a:solidFill>
+                <a:latin typeface="Calibri" panose="020F0502020204030204" pitchFamily="34" charset="0"/>
+              </a:defRPr>
+            </a:lvl2pPr>
+            <a:lvl3pPr marL="1143000" indent="-228600">
+              <a:defRPr>
+                <a:solidFill>
+                  <a:schemeClr val="tx1"/>
+                </a:solidFill>
+                <a:latin typeface="Calibri" panose="020F0502020204030204" pitchFamily="34" charset="0"/>
+              </a:defRPr>
+            </a:lvl3pPr>
+            <a:lvl4pPr marL="1600200" indent="-228600">
+              <a:defRPr>
+                <a:solidFill>
+                  <a:schemeClr val="tx1"/>
+                </a:solidFill>
+                <a:latin typeface="Calibri" panose="020F0502020204030204" pitchFamily="34" charset="0"/>
+              </a:defRPr>
+            </a:lvl4pPr>
+            <a:lvl5pPr marL="2057400" indent="-228600">
+              <a:defRPr>
+                <a:solidFill>
+                  <a:schemeClr val="tx1"/>
+                </a:solidFill>
+                <a:latin typeface="Calibri" panose="020F0502020204030204" pitchFamily="34" charset="0"/>
+              </a:defRPr>
+            </a:lvl5pPr>
+            <a:lvl6pPr marL="2514600" indent="-228600" eaLnBrk="0" fontAlgn="base" hangingPunct="0">
+              <a:spcBef>
+                <a:spcPct val="0"/>
+              </a:spcBef>
+              <a:spcAft>
+                <a:spcPct val="0"/>
+              </a:spcAft>
+              <a:defRPr>
+                <a:solidFill>
+                  <a:schemeClr val="tx1"/>
+                </a:solidFill>
+                <a:latin typeface="Calibri" panose="020F0502020204030204" pitchFamily="34" charset="0"/>
+              </a:defRPr>
+            </a:lvl6pPr>
+            <a:lvl7pPr marL="2971800" indent="-228600" eaLnBrk="0" fontAlgn="base" hangingPunct="0">
+              <a:spcBef>
+                <a:spcPct val="0"/>
+              </a:spcBef>
+              <a:spcAft>
+                <a:spcPct val="0"/>
+              </a:spcAft>
+              <a:defRPr>
+                <a:solidFill>
+                  <a:schemeClr val="tx1"/>
+                </a:solidFill>
+                <a:latin typeface="Calibri" panose="020F0502020204030204" pitchFamily="34" charset="0"/>
+              </a:defRPr>
+            </a:lvl7pPr>
+            <a:lvl8pPr marL="3429000" indent="-228600" eaLnBrk="0" fontAlgn="base" hangingPunct="0">
+              <a:spcBef>
+                <a:spcPct val="0"/>
+              </a:spcBef>
+              <a:spcAft>
+                <a:spcPct val="0"/>
+              </a:spcAft>
+              <a:defRPr>
+                <a:solidFill>
+                  <a:schemeClr val="tx1"/>
+                </a:solidFill>
+                <a:latin typeface="Calibri" panose="020F0502020204030204" pitchFamily="34" charset="0"/>
+              </a:defRPr>
+            </a:lvl8pPr>
+            <a:lvl9pPr marL="3886200" indent="-228600" eaLnBrk="0" fontAlgn="base" hangingPunct="0">
+              <a:spcBef>
+                <a:spcPct val="0"/>
+              </a:spcBef>
+              <a:spcAft>
+                <a:spcPct val="0"/>
+              </a:spcAft>
+              <a:defRPr>
+                <a:solidFill>
+                  <a:schemeClr val="tx1"/>
+                </a:solidFill>
+                <a:latin typeface="Calibri" panose="020F0502020204030204" pitchFamily="34" charset="0"/>
+              </a:defRPr>
+            </a:lvl9pPr>
+          </a:lstStyle>
+          <a:p>
+            <a:pPr algn="ctr" eaLnBrk="1" hangingPunct="1"/>
+            <a:r>
+              <a:rPr lang="en-US" altLang="en-US" sz="1200" dirty="0">
+                <a:latin typeface="Arial" panose="020B0604020202020204" pitchFamily="34" charset="0"/>
+                <a:ea typeface="Amazon Ember" panose="020B0603020204020204" pitchFamily="34" charset="0"/>
+                <a:cs typeface="Arial" panose="020B0604020202020204" pitchFamily="34" charset="0"/>
+              </a:rPr>
+              <a:t>Amazon RDS</a:t>
+            </a:r>
+            <a:endParaRPr lang="en-US" altLang="en-US" sz="1100" dirty="0">
+              <a:latin typeface="Arial" panose="020B0604020202020204" pitchFamily="34" charset="0"/>
+              <a:ea typeface="Amazon Ember" panose="020B0603020204020204" pitchFamily="34" charset="0"/>
+              <a:cs typeface="Arial" panose="020B0604020202020204" pitchFamily="34" charset="0"/>
+            </a:endParaRPr>
+          </a:p>
+        </p:txBody>
+      </p:sp>
     </p:spTree>
     <p:extLst>
       <p:ext uri="{BB962C8B-B14F-4D97-AF65-F5344CB8AC3E}">

--- a/docs/deployment_guide/images/keycloak-architecture-diagram.pptx
+++ b/docs/deployment_guide/images/keycloak-architecture-diagram.pptx
@@ -259,7 +259,7 @@
           <a:p>
             <a:fld id="{70CDD40E-43DC-5141-B25E-A3942899EFB8}" type="datetimeFigureOut">
               <a:rPr lang="en-US" smtClean="0"/>
-              <a:t>3/22/2022</a:t>
+              <a:t>3/28/2022</a:t>
             </a:fld>
             <a:endParaRPr lang="en-US"/>
           </a:p>
@@ -457,7 +457,7 @@
           <a:p>
             <a:fld id="{70CDD40E-43DC-5141-B25E-A3942899EFB8}" type="datetimeFigureOut">
               <a:rPr lang="en-US" smtClean="0"/>
-              <a:t>3/22/2022</a:t>
+              <a:t>3/28/2022</a:t>
             </a:fld>
             <a:endParaRPr lang="en-US"/>
           </a:p>
@@ -665,7 +665,7 @@
           <a:p>
             <a:fld id="{70CDD40E-43DC-5141-B25E-A3942899EFB8}" type="datetimeFigureOut">
               <a:rPr lang="en-US" smtClean="0"/>
-              <a:t>3/22/2022</a:t>
+              <a:t>3/28/2022</a:t>
             </a:fld>
             <a:endParaRPr lang="en-US"/>
           </a:p>
@@ -863,7 +863,7 @@
           <a:p>
             <a:fld id="{70CDD40E-43DC-5141-B25E-A3942899EFB8}" type="datetimeFigureOut">
               <a:rPr lang="en-US" smtClean="0"/>
-              <a:t>3/22/2022</a:t>
+              <a:t>3/28/2022</a:t>
             </a:fld>
             <a:endParaRPr lang="en-US"/>
           </a:p>
@@ -1138,7 +1138,7 @@
           <a:p>
             <a:fld id="{70CDD40E-43DC-5141-B25E-A3942899EFB8}" type="datetimeFigureOut">
               <a:rPr lang="en-US" smtClean="0"/>
-              <a:t>3/22/2022</a:t>
+              <a:t>3/28/2022</a:t>
             </a:fld>
             <a:endParaRPr lang="en-US"/>
           </a:p>
@@ -1403,7 +1403,7 @@
           <a:p>
             <a:fld id="{70CDD40E-43DC-5141-B25E-A3942899EFB8}" type="datetimeFigureOut">
               <a:rPr lang="en-US" smtClean="0"/>
-              <a:t>3/22/2022</a:t>
+              <a:t>3/28/2022</a:t>
             </a:fld>
             <a:endParaRPr lang="en-US"/>
           </a:p>
@@ -1815,7 +1815,7 @@
           <a:p>
             <a:fld id="{70CDD40E-43DC-5141-B25E-A3942899EFB8}" type="datetimeFigureOut">
               <a:rPr lang="en-US" smtClean="0"/>
-              <a:t>3/22/2022</a:t>
+              <a:t>3/28/2022</a:t>
             </a:fld>
             <a:endParaRPr lang="en-US"/>
           </a:p>
@@ -1956,7 +1956,7 @@
           <a:p>
             <a:fld id="{70CDD40E-43DC-5141-B25E-A3942899EFB8}" type="datetimeFigureOut">
               <a:rPr lang="en-US" smtClean="0"/>
-              <a:t>3/22/2022</a:t>
+              <a:t>3/28/2022</a:t>
             </a:fld>
             <a:endParaRPr lang="en-US"/>
           </a:p>
@@ -2069,7 +2069,7 @@
           <a:p>
             <a:fld id="{70CDD40E-43DC-5141-B25E-A3942899EFB8}" type="datetimeFigureOut">
               <a:rPr lang="en-US" smtClean="0"/>
-              <a:t>3/22/2022</a:t>
+              <a:t>3/28/2022</a:t>
             </a:fld>
             <a:endParaRPr lang="en-US"/>
           </a:p>
@@ -2380,7 +2380,7 @@
           <a:p>
             <a:fld id="{70CDD40E-43DC-5141-B25E-A3942899EFB8}" type="datetimeFigureOut">
               <a:rPr lang="en-US" smtClean="0"/>
-              <a:t>3/22/2022</a:t>
+              <a:t>3/28/2022</a:t>
             </a:fld>
             <a:endParaRPr lang="en-US"/>
           </a:p>
@@ -2668,7 +2668,7 @@
           <a:p>
             <a:fld id="{70CDD40E-43DC-5141-B25E-A3942899EFB8}" type="datetimeFigureOut">
               <a:rPr lang="en-US" smtClean="0"/>
-              <a:t>3/22/2022</a:t>
+              <a:t>3/28/2022</a:t>
             </a:fld>
             <a:endParaRPr lang="en-US"/>
           </a:p>
@@ -2909,7 +2909,7 @@
           <a:p>
             <a:fld id="{70CDD40E-43DC-5141-B25E-A3942899EFB8}" type="datetimeFigureOut">
               <a:rPr lang="en-US" smtClean="0"/>
-              <a:t>3/22/2022</a:t>
+              <a:t>3/28/2022</a:t>
             </a:fld>
             <a:endParaRPr lang="en-US"/>
           </a:p>
@@ -5594,7 +5594,7 @@
           </p:blipFill>
           <p:spPr bwMode="auto">
             <a:xfrm>
-              <a:off x="2524310" y="2987071"/>
+              <a:off x="2524310" y="2939422"/>
               <a:ext cx="762000" cy="762000"/>
             </a:xfrm>
             <a:prstGeom prst="rect">
@@ -6878,7 +6878,7 @@
         </p:blipFill>
         <p:spPr bwMode="auto">
           <a:xfrm>
-            <a:off x="7360287" y="2987071"/>
+            <a:off x="7331676" y="2948694"/>
             <a:ext cx="762000" cy="762000"/>
           </a:xfrm>
           <a:prstGeom prst="rect">
